--- a/0050_parallel/rtl/schematic/parallel_send.pptx
+++ b/0050_parallel/rtl/schematic/parallel_send.pptx
@@ -197,7 +197,7 @@
           <a:p>
             <a:fld id="{B9E5BF02-4A65-43B2-AA51-912306618617}" type="datetimeFigureOut">
               <a:rPr lang="en-US" smtClean="0"/>
-              <a:t>9/7/2017</a:t>
+              <a:t>9/20/2017</a:t>
             </a:fld>
             <a:endParaRPr lang="en-US"/>
           </a:p>
@@ -685,7 +685,7 @@
           <a:p>
             <a:fld id="{F8F920B2-3E99-4C9D-9450-62A3DEC5476B}" type="datetimeFigureOut">
               <a:rPr lang="en-US" smtClean="0"/>
-              <a:t>9/7/2017</a:t>
+              <a:t>9/20/2017</a:t>
             </a:fld>
             <a:endParaRPr lang="en-US"/>
           </a:p>
@@ -855,7 +855,7 @@
           <a:p>
             <a:fld id="{F8F920B2-3E99-4C9D-9450-62A3DEC5476B}" type="datetimeFigureOut">
               <a:rPr lang="en-US" smtClean="0"/>
-              <a:t>9/7/2017</a:t>
+              <a:t>9/20/2017</a:t>
             </a:fld>
             <a:endParaRPr lang="en-US"/>
           </a:p>
@@ -1035,7 +1035,7 @@
           <a:p>
             <a:fld id="{F8F920B2-3E99-4C9D-9450-62A3DEC5476B}" type="datetimeFigureOut">
               <a:rPr lang="en-US" smtClean="0"/>
-              <a:t>9/7/2017</a:t>
+              <a:t>9/20/2017</a:t>
             </a:fld>
             <a:endParaRPr lang="en-US"/>
           </a:p>
@@ -1205,7 +1205,7 @@
           <a:p>
             <a:fld id="{F8F920B2-3E99-4C9D-9450-62A3DEC5476B}" type="datetimeFigureOut">
               <a:rPr lang="en-US" smtClean="0"/>
-              <a:t>9/7/2017</a:t>
+              <a:t>9/20/2017</a:t>
             </a:fld>
             <a:endParaRPr lang="en-US"/>
           </a:p>
@@ -1449,7 +1449,7 @@
           <a:p>
             <a:fld id="{F8F920B2-3E99-4C9D-9450-62A3DEC5476B}" type="datetimeFigureOut">
               <a:rPr lang="en-US" smtClean="0"/>
-              <a:t>9/7/2017</a:t>
+              <a:t>9/20/2017</a:t>
             </a:fld>
             <a:endParaRPr lang="en-US"/>
           </a:p>
@@ -1681,7 +1681,7 @@
           <a:p>
             <a:fld id="{F8F920B2-3E99-4C9D-9450-62A3DEC5476B}" type="datetimeFigureOut">
               <a:rPr lang="en-US" smtClean="0"/>
-              <a:t>9/7/2017</a:t>
+              <a:t>9/20/2017</a:t>
             </a:fld>
             <a:endParaRPr lang="en-US"/>
           </a:p>
@@ -2048,7 +2048,7 @@
           <a:p>
             <a:fld id="{F8F920B2-3E99-4C9D-9450-62A3DEC5476B}" type="datetimeFigureOut">
               <a:rPr lang="en-US" smtClean="0"/>
-              <a:t>9/7/2017</a:t>
+              <a:t>9/20/2017</a:t>
             </a:fld>
             <a:endParaRPr lang="en-US"/>
           </a:p>
@@ -2166,7 +2166,7 @@
           <a:p>
             <a:fld id="{F8F920B2-3E99-4C9D-9450-62A3DEC5476B}" type="datetimeFigureOut">
               <a:rPr lang="en-US" smtClean="0"/>
-              <a:t>9/7/2017</a:t>
+              <a:t>9/20/2017</a:t>
             </a:fld>
             <a:endParaRPr lang="en-US"/>
           </a:p>
@@ -2261,7 +2261,7 @@
           <a:p>
             <a:fld id="{F8F920B2-3E99-4C9D-9450-62A3DEC5476B}" type="datetimeFigureOut">
               <a:rPr lang="en-US" smtClean="0"/>
-              <a:t>9/7/2017</a:t>
+              <a:t>9/20/2017</a:t>
             </a:fld>
             <a:endParaRPr lang="en-US"/>
           </a:p>
@@ -2538,7 +2538,7 @@
           <a:p>
             <a:fld id="{F8F920B2-3E99-4C9D-9450-62A3DEC5476B}" type="datetimeFigureOut">
               <a:rPr lang="en-US" smtClean="0"/>
-              <a:t>9/7/2017</a:t>
+              <a:t>9/20/2017</a:t>
             </a:fld>
             <a:endParaRPr lang="en-US"/>
           </a:p>
@@ -2795,7 +2795,7 @@
           <a:p>
             <a:fld id="{F8F920B2-3E99-4C9D-9450-62A3DEC5476B}" type="datetimeFigureOut">
               <a:rPr lang="en-US" smtClean="0"/>
-              <a:t>9/7/2017</a:t>
+              <a:t>9/20/2017</a:t>
             </a:fld>
             <a:endParaRPr lang="en-US"/>
           </a:p>
@@ -3008,7 +3008,7 @@
           <a:p>
             <a:fld id="{F8F920B2-3E99-4C9D-9450-62A3DEC5476B}" type="datetimeFigureOut">
               <a:rPr lang="en-US" smtClean="0"/>
-              <a:t>9/7/2017</a:t>
+              <a:t>9/20/2017</a:t>
             </a:fld>
             <a:endParaRPr lang="en-US"/>
           </a:p>
@@ -3510,14 +3510,14 @@
           <a:p>
             <a:pPr algn="ctr"/>
             <a:r>
-              <a:rPr lang="en-US" sz="900" dirty="0" err="1">
+              <a:rPr lang="en-US" sz="900" smtClean="0">
                 <a:solidFill>
                   <a:srgbClr val="000000"/>
                 </a:solidFill>
                 <a:latin typeface="Courier New" panose="02070309020205020404" pitchFamily="49" charset="0"/>
                 <a:cs typeface="Courier New" panose="02070309020205020404" pitchFamily="49" charset="0"/>
               </a:rPr>
-              <a:t>error_count</a:t>
+              <a:t>parallel_send</a:t>
             </a:r>
             <a:endParaRPr lang="en-US" sz="900" dirty="0">
               <a:solidFill>
@@ -3872,15 +3872,32 @@
           <a:p>
             <a:pPr algn="r"/>
             <a:r>
-              <a:rPr lang="en-US" sz="900" dirty="0">
+              <a:rPr lang="en-US" sz="900" dirty="0" smtClean="0">
                 <a:solidFill>
                   <a:srgbClr val="000000"/>
                 </a:solidFill>
                 <a:latin typeface="Courier New" panose="02070309020205020404" pitchFamily="49" charset="0"/>
                 <a:cs typeface="Courier New" panose="02070309020205020404" pitchFamily="49" charset="0"/>
               </a:rPr>
-              <a:t>6’d1</a:t>
-            </a:r>
+              <a:t>32</a:t>
+            </a:r>
+            <a:r>
+              <a:rPr lang="en-US" sz="900" dirty="0" smtClean="0">
+                <a:solidFill>
+                  <a:srgbClr val="000000"/>
+                </a:solidFill>
+                <a:latin typeface="Courier New" panose="02070309020205020404" pitchFamily="49" charset="0"/>
+                <a:cs typeface="Courier New" panose="02070309020205020404" pitchFamily="49" charset="0"/>
+              </a:rPr>
+              <a:t>’d1</a:t>
+            </a:r>
+            <a:endParaRPr lang="en-US" sz="900" dirty="0">
+              <a:solidFill>
+                <a:srgbClr val="000000"/>
+              </a:solidFill>
+              <a:latin typeface="Courier New" panose="02070309020205020404" pitchFamily="49" charset="0"/>
+              <a:cs typeface="Courier New" panose="02070309020205020404" pitchFamily="49" charset="0"/>
+            </a:endParaRPr>
           </a:p>
         </p:txBody>
       </p:sp>
@@ -4090,7 +4107,7 @@
         </p:nvSpPr>
         <p:spPr>
           <a:xfrm>
-            <a:off x="8686800" y="10515600"/>
+            <a:off x="8686800" y="10668000"/>
             <a:ext cx="152400" cy="152400"/>
           </a:xfrm>
           <a:prstGeom prst="rect">
@@ -4142,7 +4159,7 @@
         </p:nvSpPr>
         <p:spPr>
           <a:xfrm>
-            <a:off x="8686800" y="10668000"/>
+            <a:off x="8686800" y="10515600"/>
             <a:ext cx="152400" cy="152400"/>
           </a:xfrm>
           <a:prstGeom prst="rect">
@@ -4389,13 +4406,6 @@
               </a:rPr>
               <a:t>DOUT</a:t>
             </a:r>
-            <a:endParaRPr lang="en-US" sz="900" dirty="0">
-              <a:solidFill>
-                <a:srgbClr val="000000"/>
-              </a:solidFill>
-              <a:latin typeface="Courier New" panose="02070309020205020404" pitchFamily="49" charset="0"/>
-              <a:cs typeface="Courier New" panose="02070309020205020404" pitchFamily="49" charset="0"/>
-            </a:endParaRPr>
           </a:p>
         </p:txBody>
       </p:sp>
@@ -4575,13 +4585,6 @@
               </a:rPr>
               <a:t>DOPULL</a:t>
             </a:r>
-            <a:endParaRPr lang="en-US" sz="900" dirty="0">
-              <a:solidFill>
-                <a:srgbClr val="000000"/>
-              </a:solidFill>
-              <a:latin typeface="Courier New" panose="02070309020205020404" pitchFamily="49" charset="0"/>
-              <a:cs typeface="Courier New" panose="02070309020205020404" pitchFamily="49" charset="0"/>
-            </a:endParaRPr>
           </a:p>
         </p:txBody>
       </p:sp>
@@ -4635,13 +4638,6 @@
               </a:rPr>
               <a:t>1</a:t>
             </a:r>
-            <a:endParaRPr lang="en-US" sz="900" dirty="0">
-              <a:solidFill>
-                <a:srgbClr val="000000"/>
-              </a:solidFill>
-              <a:latin typeface="Courier New" panose="02070309020205020404" pitchFamily="49" charset="0"/>
-              <a:cs typeface="Courier New" panose="02070309020205020404" pitchFamily="49" charset="0"/>
-            </a:endParaRPr>
           </a:p>
         </p:txBody>
       </p:sp>
@@ -4821,13 +4817,6 @@
               </a:rPr>
               <a:t>DOPUSH</a:t>
             </a:r>
-            <a:endParaRPr lang="en-US" sz="900" dirty="0">
-              <a:solidFill>
-                <a:srgbClr val="000000"/>
-              </a:solidFill>
-              <a:latin typeface="Courier New" panose="02070309020205020404" pitchFamily="49" charset="0"/>
-              <a:cs typeface="Courier New" panose="02070309020205020404" pitchFamily="49" charset="0"/>
-            </a:endParaRPr>
           </a:p>
         </p:txBody>
       </p:sp>
@@ -4881,13 +4870,6 @@
               </a:rPr>
               <a:t>1</a:t>
             </a:r>
-            <a:endParaRPr lang="en-US" sz="900" dirty="0">
-              <a:solidFill>
-                <a:srgbClr val="000000"/>
-              </a:solidFill>
-              <a:latin typeface="Courier New" panose="02070309020205020404" pitchFamily="49" charset="0"/>
-              <a:cs typeface="Courier New" panose="02070309020205020404" pitchFamily="49" charset="0"/>
-            </a:endParaRPr>
           </a:p>
         </p:txBody>
       </p:sp>
@@ -4943,13 +4925,6 @@
               </a:rPr>
               <a:t>DELAY_ADJUST</a:t>
             </a:r>
-            <a:endParaRPr lang="en-US" sz="900" dirty="0">
-              <a:solidFill>
-                <a:schemeClr val="tx1"/>
-              </a:solidFill>
-              <a:latin typeface="Courier New" panose="02070309020205020404" pitchFamily="49" charset="0"/>
-              <a:cs typeface="Courier New" panose="02070309020205020404" pitchFamily="49" charset="0"/>
-            </a:endParaRPr>
           </a:p>
         </p:txBody>
       </p:sp>
@@ -5005,13 +4980,6 @@
               </a:rPr>
               <a:t>WORD_ALIGN</a:t>
             </a:r>
-            <a:endParaRPr lang="en-US" sz="900" dirty="0">
-              <a:solidFill>
-                <a:schemeClr val="tx1"/>
-              </a:solidFill>
-              <a:latin typeface="Courier New" panose="02070309020205020404" pitchFamily="49" charset="0"/>
-              <a:cs typeface="Courier New" panose="02070309020205020404" pitchFamily="49" charset="0"/>
-            </a:endParaRPr>
           </a:p>
         </p:txBody>
       </p:sp>
@@ -5067,13 +5035,6 @@
               </a:rPr>
               <a:t>DATA_TRANSFER</a:t>
             </a:r>
-            <a:endParaRPr lang="en-US" sz="900" dirty="0">
-              <a:solidFill>
-                <a:schemeClr val="tx1"/>
-              </a:solidFill>
-              <a:latin typeface="Courier New" panose="02070309020205020404" pitchFamily="49" charset="0"/>
-              <a:cs typeface="Courier New" panose="02070309020205020404" pitchFamily="49" charset="0"/>
-            </a:endParaRPr>
           </a:p>
         </p:txBody>
       </p:sp>
@@ -5238,13 +5199,6 @@
               </a:rPr>
               <a:t>&amp;&amp; DOPULL</a:t>
             </a:r>
-            <a:endParaRPr lang="en-US" sz="900" dirty="0">
-              <a:solidFill>
-                <a:srgbClr val="000000"/>
-              </a:solidFill>
-              <a:latin typeface="Courier New" panose="02070309020205020404" pitchFamily="49" charset="0"/>
-              <a:cs typeface="Courier New" panose="02070309020205020404" pitchFamily="49" charset="0"/>
-            </a:endParaRPr>
           </a:p>
         </p:txBody>
       </p:sp>
@@ -5329,13 +5283,6 @@
               </a:rPr>
               <a:t>&amp;&amp; DOPULL</a:t>
             </a:r>
-            <a:endParaRPr lang="en-US" sz="900" dirty="0">
-              <a:solidFill>
-                <a:srgbClr val="000000"/>
-              </a:solidFill>
-              <a:latin typeface="Courier New" panose="02070309020205020404" pitchFamily="49" charset="0"/>
-              <a:cs typeface="Courier New" panose="02070309020205020404" pitchFamily="49" charset="0"/>
-            </a:endParaRPr>
           </a:p>
         </p:txBody>
       </p:sp>
@@ -5536,13 +5483,6 @@
               </a:rPr>
               <a:t>else</a:t>
             </a:r>
-            <a:endParaRPr lang="en-US" sz="900" dirty="0">
-              <a:solidFill>
-                <a:srgbClr val="000000"/>
-              </a:solidFill>
-              <a:latin typeface="Courier New" panose="02070309020205020404" pitchFamily="49" charset="0"/>
-              <a:cs typeface="Courier New" panose="02070309020205020404" pitchFamily="49" charset="0"/>
-            </a:endParaRPr>
           </a:p>
         </p:txBody>
       </p:sp>
@@ -5742,13 +5682,6 @@
               </a:rPr>
               <a:t>&amp;&amp; DOPULL</a:t>
             </a:r>
-            <a:endParaRPr lang="en-US" sz="900" dirty="0">
-              <a:solidFill>
-                <a:srgbClr val="000000"/>
-              </a:solidFill>
-              <a:latin typeface="Courier New" panose="02070309020205020404" pitchFamily="49" charset="0"/>
-              <a:cs typeface="Courier New" panose="02070309020205020404" pitchFamily="49" charset="0"/>
-            </a:endParaRPr>
           </a:p>
         </p:txBody>
       </p:sp>
@@ -5949,13 +5882,6 @@
               </a:rPr>
               <a:t>else</a:t>
             </a:r>
-            <a:endParaRPr lang="en-US" sz="900" dirty="0">
-              <a:solidFill>
-                <a:srgbClr val="000000"/>
-              </a:solidFill>
-              <a:latin typeface="Courier New" panose="02070309020205020404" pitchFamily="49" charset="0"/>
-              <a:cs typeface="Courier New" panose="02070309020205020404" pitchFamily="49" charset="0"/>
-            </a:endParaRPr>
           </a:p>
         </p:txBody>
       </p:sp>
@@ -6156,13 +6082,6 @@
               </a:rPr>
               <a:t>else</a:t>
             </a:r>
-            <a:endParaRPr lang="en-US" sz="900" dirty="0">
-              <a:solidFill>
-                <a:srgbClr val="000000"/>
-              </a:solidFill>
-              <a:latin typeface="Courier New" panose="02070309020205020404" pitchFamily="49" charset="0"/>
-              <a:cs typeface="Courier New" panose="02070309020205020404" pitchFamily="49" charset="0"/>
-            </a:endParaRPr>
           </a:p>
         </p:txBody>
       </p:sp>
@@ -6218,13 +6137,6 @@
               </a:rPr>
               <a:t>table</a:t>
             </a:r>
-            <a:endParaRPr lang="en-US" sz="900" dirty="0">
-              <a:solidFill>
-                <a:schemeClr val="tx1"/>
-              </a:solidFill>
-              <a:latin typeface="Courier New" panose="02070309020205020404" pitchFamily="49" charset="0"/>
-              <a:cs typeface="Courier New" panose="02070309020205020404" pitchFamily="49" charset="0"/>
-            </a:endParaRPr>
           </a:p>
         </p:txBody>
       </p:sp>
@@ -6521,13 +6433,6 @@
               </a:rPr>
               <a:t>2</a:t>
             </a:r>
-            <a:endParaRPr lang="en-US" sz="900" dirty="0">
-              <a:solidFill>
-                <a:srgbClr val="000000"/>
-              </a:solidFill>
-              <a:latin typeface="Courier New" panose="02070309020205020404" pitchFamily="49" charset="0"/>
-              <a:cs typeface="Courier New" panose="02070309020205020404" pitchFamily="49" charset="0"/>
-            </a:endParaRPr>
           </a:p>
         </p:txBody>
       </p:sp>
@@ -6714,13 +6619,6 @@
               </a:rPr>
               <a:t>2</a:t>
             </a:r>
-            <a:endParaRPr lang="en-US" sz="900" dirty="0">
-              <a:solidFill>
-                <a:srgbClr val="000000"/>
-              </a:solidFill>
-              <a:latin typeface="Courier New" panose="02070309020205020404" pitchFamily="49" charset="0"/>
-              <a:cs typeface="Courier New" panose="02070309020205020404" pitchFamily="49" charset="0"/>
-            </a:endParaRPr>
           </a:p>
         </p:txBody>
       </p:sp>
@@ -6773,13 +6671,6 @@
               </a:rPr>
               <a:t>state</a:t>
             </a:r>
-            <a:endParaRPr lang="en-US" sz="900" dirty="0">
-              <a:solidFill>
-                <a:srgbClr val="000000"/>
-              </a:solidFill>
-              <a:latin typeface="Courier New" panose="02070309020205020404" pitchFamily="49" charset="0"/>
-              <a:cs typeface="Courier New" panose="02070309020205020404" pitchFamily="49" charset="0"/>
-            </a:endParaRPr>
           </a:p>
         </p:txBody>
       </p:sp>
@@ -6911,13 +6802,6 @@
               </a:rPr>
               <a:t>!=</a:t>
             </a:r>
-            <a:endParaRPr lang="en-US" sz="900" dirty="0">
-              <a:solidFill>
-                <a:srgbClr val="000000"/>
-              </a:solidFill>
-              <a:latin typeface="Courier New" panose="02070309020205020404" pitchFamily="49" charset="0"/>
-              <a:cs typeface="Courier New" panose="02070309020205020404" pitchFamily="49" charset="0"/>
-            </a:endParaRPr>
           </a:p>
         </p:txBody>
       </p:sp>
@@ -7057,13 +6941,6 @@
               </a:rPr>
               <a:t>DELAY_ADJUST</a:t>
             </a:r>
-            <a:endParaRPr lang="en-US" sz="900" dirty="0">
-              <a:solidFill>
-                <a:srgbClr val="000000"/>
-              </a:solidFill>
-              <a:latin typeface="Courier New" panose="02070309020205020404" pitchFamily="49" charset="0"/>
-              <a:cs typeface="Courier New" panose="02070309020205020404" pitchFamily="49" charset="0"/>
-            </a:endParaRPr>
           </a:p>
         </p:txBody>
       </p:sp>
@@ -7116,13 +6993,6 @@
               </a:rPr>
               <a:t>WORD_ALIGN</a:t>
             </a:r>
-            <a:endParaRPr lang="en-US" sz="900" dirty="0">
-              <a:solidFill>
-                <a:srgbClr val="000000"/>
-              </a:solidFill>
-              <a:latin typeface="Courier New" panose="02070309020205020404" pitchFamily="49" charset="0"/>
-              <a:cs typeface="Courier New" panose="02070309020205020404" pitchFamily="49" charset="0"/>
-            </a:endParaRPr>
           </a:p>
         </p:txBody>
       </p:sp>
@@ -7175,13 +7045,6 @@
               </a:rPr>
               <a:t>DATA_TRANSFER</a:t>
             </a:r>
-            <a:endParaRPr lang="en-US" sz="900" dirty="0">
-              <a:solidFill>
-                <a:srgbClr val="000000"/>
-              </a:solidFill>
-              <a:latin typeface="Courier New" panose="02070309020205020404" pitchFamily="49" charset="0"/>
-              <a:cs typeface="Courier New" panose="02070309020205020404" pitchFamily="49" charset="0"/>
-            </a:endParaRPr>
           </a:p>
         </p:txBody>
       </p:sp>
@@ -7234,13 +7097,6 @@
               </a:rPr>
               <a:t>else</a:t>
             </a:r>
-            <a:endParaRPr lang="en-US" sz="900" dirty="0">
-              <a:solidFill>
-                <a:srgbClr val="000000"/>
-              </a:solidFill>
-              <a:latin typeface="Courier New" panose="02070309020205020404" pitchFamily="49" charset="0"/>
-              <a:cs typeface="Courier New" panose="02070309020205020404" pitchFamily="49" charset="0"/>
-            </a:endParaRPr>
           </a:p>
         </p:txBody>
       </p:sp>
@@ -7331,13 +7187,6 @@
               </a:rPr>
               <a:t>10‘d255</a:t>
             </a:r>
-            <a:endParaRPr lang="en-US" sz="900" dirty="0">
-              <a:solidFill>
-                <a:srgbClr val="000000"/>
-              </a:solidFill>
-              <a:latin typeface="Courier New" panose="02070309020205020404" pitchFamily="49" charset="0"/>
-              <a:cs typeface="Courier New" panose="02070309020205020404" pitchFamily="49" charset="0"/>
-            </a:endParaRPr>
           </a:p>
         </p:txBody>
       </p:sp>
@@ -7428,13 +7277,6 @@
               </a:rPr>
               <a:t>10‘d0</a:t>
             </a:r>
-            <a:endParaRPr lang="en-US" sz="900" dirty="0">
-              <a:solidFill>
-                <a:srgbClr val="000000"/>
-              </a:solidFill>
-              <a:latin typeface="Courier New" panose="02070309020205020404" pitchFamily="49" charset="0"/>
-              <a:cs typeface="Courier New" panose="02070309020205020404" pitchFamily="49" charset="0"/>
-            </a:endParaRPr>
           </a:p>
         </p:txBody>
       </p:sp>
@@ -7525,13 +7367,6 @@
               </a:rPr>
               <a:t>10‘d1023</a:t>
             </a:r>
-            <a:endParaRPr lang="en-US" sz="900" dirty="0">
-              <a:solidFill>
-                <a:srgbClr val="000000"/>
-              </a:solidFill>
-              <a:latin typeface="Courier New" panose="02070309020205020404" pitchFamily="49" charset="0"/>
-              <a:cs typeface="Courier New" panose="02070309020205020404" pitchFamily="49" charset="0"/>
-            </a:endParaRPr>
           </a:p>
         </p:txBody>
       </p:sp>
@@ -7622,13 +7457,6 @@
               </a:rPr>
               <a:t>10‘d0</a:t>
             </a:r>
-            <a:endParaRPr lang="en-US" sz="900" dirty="0">
-              <a:solidFill>
-                <a:srgbClr val="000000"/>
-              </a:solidFill>
-              <a:latin typeface="Courier New" panose="02070309020205020404" pitchFamily="49" charset="0"/>
-              <a:cs typeface="Courier New" panose="02070309020205020404" pitchFamily="49" charset="0"/>
-            </a:endParaRPr>
           </a:p>
         </p:txBody>
       </p:sp>
@@ -7982,13 +7810,6 @@
               </a:rPr>
               <a:t>10’d1</a:t>
             </a:r>
-            <a:endParaRPr lang="en-US" sz="900" dirty="0">
-              <a:solidFill>
-                <a:srgbClr val="000000"/>
-              </a:solidFill>
-              <a:latin typeface="Courier New" panose="02070309020205020404" pitchFamily="49" charset="0"/>
-              <a:cs typeface="Courier New" panose="02070309020205020404" pitchFamily="49" charset="0"/>
-            </a:endParaRPr>
           </a:p>
         </p:txBody>
       </p:sp>
@@ -8385,13 +8206,6 @@
               </a:rPr>
               <a:t>INIT</a:t>
             </a:r>
-            <a:endParaRPr lang="en-US" sz="900" dirty="0">
-              <a:solidFill>
-                <a:schemeClr val="tx1"/>
-              </a:solidFill>
-              <a:latin typeface="Courier New" panose="02070309020205020404" pitchFamily="49" charset="0"/>
-              <a:cs typeface="Courier New" panose="02070309020205020404" pitchFamily="49" charset="0"/>
-            </a:endParaRPr>
           </a:p>
         </p:txBody>
       </p:sp>
@@ -8522,13 +8336,6 @@
               </a:rPr>
               <a:t>10</a:t>
             </a:r>
-            <a:endParaRPr lang="en-US" sz="900" dirty="0">
-              <a:solidFill>
-                <a:srgbClr val="000000"/>
-              </a:solidFill>
-              <a:latin typeface="Courier New" panose="02070309020205020404" pitchFamily="49" charset="0"/>
-              <a:cs typeface="Courier New" panose="02070309020205020404" pitchFamily="49" charset="0"/>
-            </a:endParaRPr>
           </a:p>
         </p:txBody>
       </p:sp>
@@ -8770,13 +8577,6 @@
               </a:rPr>
               <a:t>DOPULL</a:t>
             </a:r>
-            <a:endParaRPr lang="en-US" sz="900" dirty="0">
-              <a:solidFill>
-                <a:srgbClr val="000000"/>
-              </a:solidFill>
-              <a:latin typeface="Courier New" panose="02070309020205020404" pitchFamily="49" charset="0"/>
-              <a:cs typeface="Courier New" panose="02070309020205020404" pitchFamily="49" charset="0"/>
-            </a:endParaRPr>
           </a:p>
         </p:txBody>
       </p:sp>
@@ -9274,13 +9074,6 @@
               </a:rPr>
               <a:t>state</a:t>
             </a:r>
-            <a:endParaRPr lang="en-US" sz="900" dirty="0">
-              <a:solidFill>
-                <a:srgbClr val="000000"/>
-              </a:solidFill>
-              <a:latin typeface="Courier New" panose="02070309020205020404" pitchFamily="49" charset="0"/>
-              <a:cs typeface="Courier New" panose="02070309020205020404" pitchFamily="49" charset="0"/>
-            </a:endParaRPr>
           </a:p>
         </p:txBody>
       </p:sp>
@@ -9912,13 +9705,6 @@
               </a:rPr>
               <a:t>DOPUSH</a:t>
             </a:r>
-            <a:endParaRPr lang="en-US" sz="900" dirty="0">
-              <a:solidFill>
-                <a:srgbClr val="000000"/>
-              </a:solidFill>
-              <a:latin typeface="Courier New" panose="02070309020205020404" pitchFamily="49" charset="0"/>
-              <a:cs typeface="Courier New" panose="02070309020205020404" pitchFamily="49" charset="0"/>
-            </a:endParaRPr>
           </a:p>
         </p:txBody>
       </p:sp>
@@ -10939,13 +10725,6 @@
               </a:rPr>
               <a:t>else</a:t>
             </a:r>
-            <a:endParaRPr lang="en-US" sz="900" dirty="0">
-              <a:solidFill>
-                <a:srgbClr val="000000"/>
-              </a:solidFill>
-              <a:latin typeface="Courier New" panose="02070309020205020404" pitchFamily="49" charset="0"/>
-              <a:cs typeface="Courier New" panose="02070309020205020404" pitchFamily="49" charset="0"/>
-            </a:endParaRPr>
           </a:p>
         </p:txBody>
       </p:sp>
@@ -11030,13 +10809,6 @@
               </a:rPr>
               <a:t>&amp;&amp; DOPULL</a:t>
             </a:r>
-            <a:endParaRPr lang="en-US" sz="900" dirty="0">
-              <a:solidFill>
-                <a:srgbClr val="000000"/>
-              </a:solidFill>
-              <a:latin typeface="Courier New" panose="02070309020205020404" pitchFamily="49" charset="0"/>
-              <a:cs typeface="Courier New" panose="02070309020205020404" pitchFamily="49" charset="0"/>
-            </a:endParaRPr>
           </a:p>
         </p:txBody>
       </p:sp>
@@ -11127,13 +10899,6 @@
               </a:rPr>
               <a:t>10</a:t>
             </a:r>
-            <a:endParaRPr lang="en-US" sz="900" dirty="0">
-              <a:solidFill>
-                <a:srgbClr val="000000"/>
-              </a:solidFill>
-              <a:latin typeface="Courier New" panose="02070309020205020404" pitchFamily="49" charset="0"/>
-              <a:cs typeface="Courier New" panose="02070309020205020404" pitchFamily="49" charset="0"/>
-            </a:endParaRPr>
           </a:p>
         </p:txBody>
       </p:sp>
@@ -11727,14 +11492,14 @@
           <a:lstStyle/>
           <a:p>
             <a:r>
-              <a:rPr lang="en-US" sz="900" dirty="0">
+              <a:rPr lang="en-US" sz="900" dirty="0" smtClean="0">
                 <a:solidFill>
                   <a:srgbClr val="000000"/>
                 </a:solidFill>
                 <a:latin typeface="Courier New" panose="02070309020205020404" pitchFamily="49" charset="0"/>
                 <a:cs typeface="Courier New" panose="02070309020205020404" pitchFamily="49" charset="0"/>
               </a:rPr>
-              <a:t>10’224</a:t>
+              <a:t>10’d224</a:t>
             </a:r>
             <a:endParaRPr lang="en-US" sz="900" dirty="0">
               <a:solidFill>
@@ -11823,14 +11588,14 @@
           <a:lstStyle/>
           <a:p>
             <a:r>
-              <a:rPr lang="en-US" sz="900" dirty="0">
+              <a:rPr lang="en-US" sz="900" dirty="0" smtClean="0">
                 <a:solidFill>
                   <a:srgbClr val="000000"/>
                 </a:solidFill>
                 <a:latin typeface="Courier New" panose="02070309020205020404" pitchFamily="49" charset="0"/>
                 <a:cs typeface="Courier New" panose="02070309020205020404" pitchFamily="49" charset="0"/>
               </a:rPr>
-              <a:t>10’32</a:t>
+              <a:t>10’d32</a:t>
             </a:r>
             <a:endParaRPr lang="en-US" sz="900" dirty="0">
               <a:solidFill>
@@ -12196,13 +11961,6 @@
               </a:rPr>
               <a:t>32’hAAAA</a:t>
             </a:r>
-            <a:endParaRPr lang="en-US" sz="900" dirty="0">
-              <a:solidFill>
-                <a:srgbClr val="000000"/>
-              </a:solidFill>
-              <a:latin typeface="Courier New" panose="02070309020205020404" pitchFamily="49" charset="0"/>
-              <a:cs typeface="Courier New" panose="02070309020205020404" pitchFamily="49" charset="0"/>
-            </a:endParaRPr>
           </a:p>
         </p:txBody>
       </p:sp>
@@ -12256,13 +12014,6 @@
               </a:rPr>
               <a:t>32’d0</a:t>
             </a:r>
-            <a:endParaRPr lang="en-US" sz="900" dirty="0">
-              <a:solidFill>
-                <a:srgbClr val="000000"/>
-              </a:solidFill>
-              <a:latin typeface="Courier New" panose="02070309020205020404" pitchFamily="49" charset="0"/>
-              <a:cs typeface="Courier New" panose="02070309020205020404" pitchFamily="49" charset="0"/>
-            </a:endParaRPr>
           </a:p>
         </p:txBody>
       </p:sp>
@@ -12392,13 +12143,6 @@
               </a:rPr>
               <a:t>=</a:t>
             </a:r>
-            <a:endParaRPr lang="en-US" sz="900" dirty="0">
-              <a:solidFill>
-                <a:srgbClr val="000000"/>
-              </a:solidFill>
-              <a:latin typeface="Courier New" panose="02070309020205020404" pitchFamily="49" charset="0"/>
-              <a:cs typeface="Courier New" panose="02070309020205020404" pitchFamily="49" charset="0"/>
-            </a:endParaRPr>
           </a:p>
         </p:txBody>
       </p:sp>
@@ -12491,13 +12235,6 @@
               </a:rPr>
               <a:t>DATA_TRANSFER</a:t>
             </a:r>
-            <a:endParaRPr lang="en-US" sz="900" dirty="0">
-              <a:solidFill>
-                <a:srgbClr val="000000"/>
-              </a:solidFill>
-              <a:latin typeface="Courier New" panose="02070309020205020404" pitchFamily="49" charset="0"/>
-              <a:cs typeface="Courier New" panose="02070309020205020404" pitchFamily="49" charset="0"/>
-            </a:endParaRPr>
           </a:p>
         </p:txBody>
       </p:sp>
@@ -12794,13 +12531,6 @@
               </a:rPr>
               <a:t>DELAY_ADJUST</a:t>
             </a:r>
-            <a:endParaRPr lang="en-US" sz="900" dirty="0">
-              <a:solidFill>
-                <a:srgbClr val="000000"/>
-              </a:solidFill>
-              <a:latin typeface="Courier New" panose="02070309020205020404" pitchFamily="49" charset="0"/>
-              <a:cs typeface="Courier New" panose="02070309020205020404" pitchFamily="49" charset="0"/>
-            </a:endParaRPr>
           </a:p>
         </p:txBody>
       </p:sp>
@@ -12853,13 +12583,6 @@
               </a:rPr>
               <a:t>WORD_ALIGN</a:t>
             </a:r>
-            <a:endParaRPr lang="en-US" sz="900" dirty="0">
-              <a:solidFill>
-                <a:srgbClr val="000000"/>
-              </a:solidFill>
-              <a:latin typeface="Courier New" panose="02070309020205020404" pitchFamily="49" charset="0"/>
-              <a:cs typeface="Courier New" panose="02070309020205020404" pitchFamily="49" charset="0"/>
-            </a:endParaRPr>
           </a:p>
         </p:txBody>
       </p:sp>
@@ -12912,13 +12635,6 @@
               </a:rPr>
               <a:t>DATA_TRANSFER</a:t>
             </a:r>
-            <a:endParaRPr lang="en-US" sz="900" dirty="0">
-              <a:solidFill>
-                <a:srgbClr val="000000"/>
-              </a:solidFill>
-              <a:latin typeface="Courier New" panose="02070309020205020404" pitchFamily="49" charset="0"/>
-              <a:cs typeface="Courier New" panose="02070309020205020404" pitchFamily="49" charset="0"/>
-            </a:endParaRPr>
           </a:p>
         </p:txBody>
       </p:sp>
@@ -12971,13 +12687,6 @@
               </a:rPr>
               <a:t>else</a:t>
             </a:r>
-            <a:endParaRPr lang="en-US" sz="900" dirty="0">
-              <a:solidFill>
-                <a:srgbClr val="000000"/>
-              </a:solidFill>
-              <a:latin typeface="Courier New" panose="02070309020205020404" pitchFamily="49" charset="0"/>
-              <a:cs typeface="Courier New" panose="02070309020205020404" pitchFamily="49" charset="0"/>
-            </a:endParaRPr>
           </a:p>
         </p:txBody>
       </p:sp>
@@ -13068,13 +12777,6 @@
               </a:rPr>
               <a:t>32’hF731</a:t>
             </a:r>
-            <a:endParaRPr lang="en-US" sz="900" dirty="0">
-              <a:solidFill>
-                <a:srgbClr val="000000"/>
-              </a:solidFill>
-              <a:latin typeface="Courier New" panose="02070309020205020404" pitchFamily="49" charset="0"/>
-              <a:cs typeface="Courier New" panose="02070309020205020404" pitchFamily="49" charset="0"/>
-            </a:endParaRPr>
           </a:p>
         </p:txBody>
       </p:sp>
@@ -13239,13 +12941,6 @@
               </a:rPr>
               <a:t>32’d0</a:t>
             </a:r>
-            <a:endParaRPr lang="en-US" sz="900" dirty="0">
-              <a:solidFill>
-                <a:srgbClr val="000000"/>
-              </a:solidFill>
-              <a:latin typeface="Courier New" panose="02070309020205020404" pitchFamily="49" charset="0"/>
-              <a:cs typeface="Courier New" panose="02070309020205020404" pitchFamily="49" charset="0"/>
-            </a:endParaRPr>
           </a:p>
         </p:txBody>
       </p:sp>
@@ -13631,13 +13326,6 @@
               </a:rPr>
               <a:t>=</a:t>
             </a:r>
-            <a:endParaRPr lang="en-US" sz="900" dirty="0">
-              <a:solidFill>
-                <a:srgbClr val="000000"/>
-              </a:solidFill>
-              <a:latin typeface="Courier New" panose="02070309020205020404" pitchFamily="49" charset="0"/>
-              <a:cs typeface="Courier New" panose="02070309020205020404" pitchFamily="49" charset="0"/>
-            </a:endParaRPr>
           </a:p>
         </p:txBody>
       </p:sp>
@@ -13778,13 +13466,6 @@
               </a:rPr>
               <a:t>=</a:t>
             </a:r>
-            <a:endParaRPr lang="en-US" sz="900" dirty="0">
-              <a:solidFill>
-                <a:srgbClr val="000000"/>
-              </a:solidFill>
-              <a:latin typeface="Courier New" panose="02070309020205020404" pitchFamily="49" charset="0"/>
-              <a:cs typeface="Courier New" panose="02070309020205020404" pitchFamily="49" charset="0"/>
-            </a:endParaRPr>
           </a:p>
         </p:txBody>
       </p:sp>
@@ -13840,13 +13521,6 @@
               </a:rPr>
               <a:t>=</a:t>
             </a:r>
-            <a:endParaRPr lang="en-US" sz="900" dirty="0">
-              <a:solidFill>
-                <a:srgbClr val="000000"/>
-              </a:solidFill>
-              <a:latin typeface="Courier New" panose="02070309020205020404" pitchFamily="49" charset="0"/>
-              <a:cs typeface="Courier New" panose="02070309020205020404" pitchFamily="49" charset="0"/>
-            </a:endParaRPr>
           </a:p>
         </p:txBody>
       </p:sp>
@@ -14056,13 +13730,6 @@
               </a:rPr>
               <a:t>DELAY_ADJUST</a:t>
             </a:r>
-            <a:endParaRPr lang="en-US" sz="900" dirty="0">
-              <a:solidFill>
-                <a:srgbClr val="000000"/>
-              </a:solidFill>
-              <a:latin typeface="Courier New" panose="02070309020205020404" pitchFamily="49" charset="0"/>
-              <a:cs typeface="Courier New" panose="02070309020205020404" pitchFamily="49" charset="0"/>
-            </a:endParaRPr>
           </a:p>
         </p:txBody>
       </p:sp>
@@ -14116,13 +13783,6 @@
               </a:rPr>
               <a:t>WORD_ALIGN</a:t>
             </a:r>
-            <a:endParaRPr lang="en-US" sz="900" dirty="0">
-              <a:solidFill>
-                <a:srgbClr val="000000"/>
-              </a:solidFill>
-              <a:latin typeface="Courier New" panose="02070309020205020404" pitchFamily="49" charset="0"/>
-              <a:cs typeface="Courier New" panose="02070309020205020404" pitchFamily="49" charset="0"/>
-            </a:endParaRPr>
           </a:p>
         </p:txBody>
       </p:sp>
@@ -14176,13 +13836,6 @@
               </a:rPr>
               <a:t>DATA_TRANSFER</a:t>
             </a:r>
-            <a:endParaRPr lang="en-US" sz="900" dirty="0">
-              <a:solidFill>
-                <a:srgbClr val="000000"/>
-              </a:solidFill>
-              <a:latin typeface="Courier New" panose="02070309020205020404" pitchFamily="49" charset="0"/>
-              <a:cs typeface="Courier New" panose="02070309020205020404" pitchFamily="49" charset="0"/>
-            </a:endParaRPr>
           </a:p>
         </p:txBody>
       </p:sp>
@@ -14635,13 +14288,6 @@
               </a:rPr>
               <a:t>32</a:t>
             </a:r>
-            <a:endParaRPr lang="en-US" sz="900" dirty="0">
-              <a:solidFill>
-                <a:srgbClr val="000000"/>
-              </a:solidFill>
-              <a:latin typeface="Courier New" panose="02070309020205020404" pitchFamily="49" charset="0"/>
-              <a:cs typeface="Courier New" panose="02070309020205020404" pitchFamily="49" charset="0"/>
-            </a:endParaRPr>
           </a:p>
         </p:txBody>
       </p:sp>
@@ -14732,13 +14378,6 @@
               </a:rPr>
               <a:t>32</a:t>
             </a:r>
-            <a:endParaRPr lang="en-US" sz="900" dirty="0">
-              <a:solidFill>
-                <a:srgbClr val="000000"/>
-              </a:solidFill>
-              <a:latin typeface="Courier New" panose="02070309020205020404" pitchFamily="49" charset="0"/>
-              <a:cs typeface="Courier New" panose="02070309020205020404" pitchFamily="49" charset="0"/>
-            </a:endParaRPr>
           </a:p>
         </p:txBody>
       </p:sp>
@@ -15205,13 +14844,6 @@
               </a:rPr>
               <a:t>10’d196</a:t>
             </a:r>
-            <a:endParaRPr lang="en-US" sz="900" dirty="0">
-              <a:solidFill>
-                <a:srgbClr val="000000"/>
-              </a:solidFill>
-              <a:latin typeface="Courier New" panose="02070309020205020404" pitchFamily="49" charset="0"/>
-              <a:cs typeface="Courier New" panose="02070309020205020404" pitchFamily="49" charset="0"/>
-            </a:endParaRPr>
           </a:p>
         </p:txBody>
       </p:sp>
@@ -15265,13 +14897,6 @@
               </a:rPr>
               <a:t>10’d64</a:t>
             </a:r>
-            <a:endParaRPr lang="en-US" sz="900" dirty="0">
-              <a:solidFill>
-                <a:srgbClr val="000000"/>
-              </a:solidFill>
-              <a:latin typeface="Courier New" panose="02070309020205020404" pitchFamily="49" charset="0"/>
-              <a:cs typeface="Courier New" panose="02070309020205020404" pitchFamily="49" charset="0"/>
-            </a:endParaRPr>
           </a:p>
         </p:txBody>
       </p:sp>
@@ -15410,13 +15035,6 @@
               </a:rPr>
               <a:t>=</a:t>
             </a:r>
-            <a:endParaRPr lang="en-US" sz="900" dirty="0">
-              <a:solidFill>
-                <a:srgbClr val="000000"/>
-              </a:solidFill>
-              <a:latin typeface="Courier New" panose="02070309020205020404" pitchFamily="49" charset="0"/>
-              <a:cs typeface="Courier New" panose="02070309020205020404" pitchFamily="49" charset="0"/>
-            </a:endParaRPr>
           </a:p>
         </p:txBody>
       </p:sp>
@@ -15769,13 +15387,6 @@
               </a:rPr>
               <a:t>DELAY_ADJUST</a:t>
             </a:r>
-            <a:endParaRPr lang="en-US" sz="900" dirty="0">
-              <a:solidFill>
-                <a:srgbClr val="000000"/>
-              </a:solidFill>
-              <a:latin typeface="Courier New" panose="02070309020205020404" pitchFamily="49" charset="0"/>
-              <a:cs typeface="Courier New" panose="02070309020205020404" pitchFamily="49" charset="0"/>
-            </a:endParaRPr>
           </a:p>
         </p:txBody>
       </p:sp>
@@ -15955,13 +15566,6 @@
               </a:rPr>
               <a:t>PHY_INIT</a:t>
             </a:r>
-            <a:endParaRPr lang="en-US" sz="900" dirty="0">
-              <a:solidFill>
-                <a:srgbClr val="000000"/>
-              </a:solidFill>
-              <a:latin typeface="Courier New" panose="02070309020205020404" pitchFamily="49" charset="0"/>
-              <a:cs typeface="Courier New" panose="02070309020205020404" pitchFamily="49" charset="0"/>
-            </a:endParaRPr>
           </a:p>
         </p:txBody>
       </p:sp>
@@ -16322,13 +15926,6 @@
               </a:rPr>
               <a:t>-&gt;10’d63</a:t>
             </a:r>
-            <a:endParaRPr lang="en-US" sz="900" dirty="0">
-              <a:solidFill>
-                <a:srgbClr val="000000"/>
-              </a:solidFill>
-              <a:latin typeface="Courier New" panose="02070309020205020404" pitchFamily="49" charset="0"/>
-              <a:cs typeface="Courier New" panose="02070309020205020404" pitchFamily="49" charset="0"/>
-            </a:endParaRPr>
           </a:p>
         </p:txBody>
       </p:sp>
@@ -16610,13 +16207,6 @@
               </a:rPr>
               <a:t>32’d0</a:t>
             </a:r>
-            <a:endParaRPr lang="en-US" sz="900" dirty="0">
-              <a:solidFill>
-                <a:srgbClr val="000000"/>
-              </a:solidFill>
-              <a:latin typeface="Courier New" panose="02070309020205020404" pitchFamily="49" charset="0"/>
-              <a:cs typeface="Courier New" panose="02070309020205020404" pitchFamily="49" charset="0"/>
-            </a:endParaRPr>
           </a:p>
         </p:txBody>
       </p:sp>
@@ -16859,13 +16449,6 @@
               </a:rPr>
               <a:t>32’d0</a:t>
             </a:r>
-            <a:endParaRPr lang="en-US" sz="900" dirty="0">
-              <a:solidFill>
-                <a:srgbClr val="000000"/>
-              </a:solidFill>
-              <a:latin typeface="Courier New" panose="02070309020205020404" pitchFamily="49" charset="0"/>
-              <a:cs typeface="Courier New" panose="02070309020205020404" pitchFamily="49" charset="0"/>
-            </a:endParaRPr>
           </a:p>
         </p:txBody>
       </p:sp>
@@ -17147,13 +16730,6 @@
               </a:rPr>
               <a:t>1’b0</a:t>
             </a:r>
-            <a:endParaRPr lang="en-US" sz="900" dirty="0">
-              <a:solidFill>
-                <a:srgbClr val="000000"/>
-              </a:solidFill>
-              <a:latin typeface="Courier New" panose="02070309020205020404" pitchFamily="49" charset="0"/>
-              <a:cs typeface="Courier New" panose="02070309020205020404" pitchFamily="49" charset="0"/>
-            </a:endParaRPr>
           </a:p>
         </p:txBody>
       </p:sp>
@@ -17465,6 +17041,573 @@
           <a:p>
             <a:pPr algn="r"/>
             <a:r>
+              <a:rPr lang="en-US" sz="900" dirty="0" smtClean="0">
+                <a:solidFill>
+                  <a:srgbClr val="000000"/>
+                </a:solidFill>
+                <a:latin typeface="Courier New" panose="02070309020205020404" pitchFamily="49" charset="0"/>
+                <a:cs typeface="Courier New" panose="02070309020205020404" pitchFamily="49" charset="0"/>
+              </a:rPr>
+              <a:t>10’d63</a:t>
+            </a:r>
+            <a:endParaRPr lang="en-US" sz="900" dirty="0">
+              <a:solidFill>
+                <a:srgbClr val="000000"/>
+              </a:solidFill>
+              <a:latin typeface="Courier New" panose="02070309020205020404" pitchFamily="49" charset="0"/>
+              <a:cs typeface="Courier New" panose="02070309020205020404" pitchFamily="49" charset="0"/>
+            </a:endParaRPr>
+          </a:p>
+        </p:txBody>
+      </p:sp>
+      <p:cxnSp>
+        <p:nvCxnSpPr>
+          <p:cNvPr id="551" name="Straight Connector 550"/>
+          <p:cNvCxnSpPr>
+            <a:stCxn id="546" idx="0"/>
+          </p:cNvCxnSpPr>
+          <p:nvPr/>
+        </p:nvCxnSpPr>
+        <p:spPr>
+          <a:xfrm>
+            <a:off x="13030200" y="4343400"/>
+            <a:ext cx="304800" cy="56"/>
+          </a:xfrm>
+          <a:prstGeom prst="line">
+            <a:avLst/>
+          </a:prstGeom>
+          <a:ln w="12700">
+            <a:solidFill>
+              <a:srgbClr val="000000"/>
+            </a:solidFill>
+            <a:headEnd type="none" w="med" len="med"/>
+            <a:tailEnd type="triangle" w="med" len="med"/>
+          </a:ln>
+        </p:spPr>
+        <p:style>
+          <a:lnRef idx="1">
+            <a:schemeClr val="accent1"/>
+          </a:lnRef>
+          <a:fillRef idx="0">
+            <a:schemeClr val="accent1"/>
+          </a:fillRef>
+          <a:effectRef idx="0">
+            <a:schemeClr val="accent1"/>
+          </a:effectRef>
+          <a:fontRef idx="minor">
+            <a:schemeClr val="tx1"/>
+          </a:fontRef>
+        </p:style>
+      </p:cxnSp>
+      <p:sp>
+        <p:nvSpPr>
+          <p:cNvPr id="552" name="Trapezoid 551"/>
+          <p:cNvSpPr/>
+          <p:nvPr/>
+        </p:nvSpPr>
+        <p:spPr>
+          <a:xfrm rot="5400000">
+            <a:off x="12725400" y="2438400"/>
+            <a:ext cx="457200" cy="152400"/>
+          </a:xfrm>
+          <a:prstGeom prst="trapezoid">
+            <a:avLst>
+              <a:gd name="adj" fmla="val 110715"/>
+            </a:avLst>
+          </a:prstGeom>
+          <a:noFill/>
+          <a:ln w="12700">
+            <a:solidFill>
+              <a:srgbClr val="000000"/>
+            </a:solidFill>
+          </a:ln>
+        </p:spPr>
+        <p:style>
+          <a:lnRef idx="2">
+            <a:schemeClr val="accent1">
+              <a:shade val="50000"/>
+            </a:schemeClr>
+          </a:lnRef>
+          <a:fillRef idx="1">
+            <a:schemeClr val="accent1"/>
+          </a:fillRef>
+          <a:effectRef idx="0">
+            <a:schemeClr val="accent1"/>
+          </a:effectRef>
+          <a:fontRef idx="minor">
+            <a:schemeClr val="lt1"/>
+          </a:fontRef>
+        </p:style>
+        <p:txBody>
+          <a:bodyPr rtlCol="0" anchor="ctr"/>
+          <a:lstStyle/>
+          <a:p>
+            <a:pPr algn="ctr"/>
+            <a:endParaRPr lang="en-US" sz="3730"/>
+          </a:p>
+        </p:txBody>
+      </p:sp>
+      <p:sp>
+        <p:nvSpPr>
+          <p:cNvPr id="553" name="Rectangle 552"/>
+          <p:cNvSpPr/>
+          <p:nvPr/>
+        </p:nvSpPr>
+        <p:spPr>
+          <a:xfrm>
+            <a:off x="12877800" y="2514600"/>
+            <a:ext cx="152400" cy="152400"/>
+          </a:xfrm>
+          <a:prstGeom prst="rect">
+            <a:avLst/>
+          </a:prstGeom>
+          <a:noFill/>
+          <a:ln>
+            <a:noFill/>
+          </a:ln>
+        </p:spPr>
+        <p:style>
+          <a:lnRef idx="2">
+            <a:schemeClr val="accent1">
+              <a:shade val="50000"/>
+            </a:schemeClr>
+          </a:lnRef>
+          <a:fillRef idx="1">
+            <a:schemeClr val="accent1"/>
+          </a:fillRef>
+          <a:effectRef idx="0">
+            <a:schemeClr val="accent1"/>
+          </a:effectRef>
+          <a:fontRef idx="minor">
+            <a:schemeClr val="lt1"/>
+          </a:fontRef>
+        </p:style>
+        <p:txBody>
+          <a:bodyPr wrap="none" lIns="45720" rIns="45720" rtlCol="0" anchor="ctr"/>
+          <a:lstStyle/>
+          <a:p>
+            <a:r>
+              <a:rPr lang="en-US" sz="900" dirty="0">
+                <a:solidFill>
+                  <a:srgbClr val="000000"/>
+                </a:solidFill>
+                <a:latin typeface="Courier New" panose="02070309020205020404" pitchFamily="49" charset="0"/>
+                <a:cs typeface="Courier New" panose="02070309020205020404" pitchFamily="49" charset="0"/>
+              </a:rPr>
+              <a:t>0</a:t>
+            </a:r>
+          </a:p>
+        </p:txBody>
+      </p:sp>
+      <p:sp>
+        <p:nvSpPr>
+          <p:cNvPr id="554" name="Rectangle 553"/>
+          <p:cNvSpPr/>
+          <p:nvPr/>
+        </p:nvSpPr>
+        <p:spPr>
+          <a:xfrm>
+            <a:off x="12877800" y="2362200"/>
+            <a:ext cx="152400" cy="152400"/>
+          </a:xfrm>
+          <a:prstGeom prst="rect">
+            <a:avLst/>
+          </a:prstGeom>
+          <a:noFill/>
+          <a:ln>
+            <a:noFill/>
+          </a:ln>
+        </p:spPr>
+        <p:style>
+          <a:lnRef idx="2">
+            <a:schemeClr val="accent1">
+              <a:shade val="50000"/>
+            </a:schemeClr>
+          </a:lnRef>
+          <a:fillRef idx="1">
+            <a:schemeClr val="accent1"/>
+          </a:fillRef>
+          <a:effectRef idx="0">
+            <a:schemeClr val="accent1"/>
+          </a:effectRef>
+          <a:fontRef idx="minor">
+            <a:schemeClr val="lt1"/>
+          </a:fontRef>
+        </p:style>
+        <p:txBody>
+          <a:bodyPr wrap="none" lIns="45720" rIns="45720" rtlCol="0" anchor="ctr"/>
+          <a:lstStyle/>
+          <a:p>
+            <a:r>
+              <a:rPr lang="en-US" sz="900" dirty="0">
+                <a:solidFill>
+                  <a:srgbClr val="000000"/>
+                </a:solidFill>
+                <a:latin typeface="Courier New" panose="02070309020205020404" pitchFamily="49" charset="0"/>
+                <a:cs typeface="Courier New" panose="02070309020205020404" pitchFamily="49" charset="0"/>
+              </a:rPr>
+              <a:t>1</a:t>
+            </a:r>
+          </a:p>
+        </p:txBody>
+      </p:sp>
+      <p:cxnSp>
+        <p:nvCxnSpPr>
+          <p:cNvPr id="555" name="Straight Connector 554"/>
+          <p:cNvCxnSpPr/>
+          <p:nvPr/>
+        </p:nvCxnSpPr>
+        <p:spPr>
+          <a:xfrm flipH="1">
+            <a:off x="12573000" y="2362228"/>
+            <a:ext cx="304800" cy="0"/>
+          </a:xfrm>
+          <a:prstGeom prst="line">
+            <a:avLst/>
+          </a:prstGeom>
+          <a:ln w="12700">
+            <a:solidFill>
+              <a:srgbClr val="000000"/>
+            </a:solidFill>
+            <a:headEnd type="none" w="med" len="med"/>
+            <a:tailEnd type="none" w="med" len="med"/>
+          </a:ln>
+        </p:spPr>
+        <p:style>
+          <a:lnRef idx="1">
+            <a:schemeClr val="accent1"/>
+          </a:lnRef>
+          <a:fillRef idx="0">
+            <a:schemeClr val="accent1"/>
+          </a:fillRef>
+          <a:effectRef idx="0">
+            <a:schemeClr val="accent1"/>
+          </a:effectRef>
+          <a:fontRef idx="minor">
+            <a:schemeClr val="tx1"/>
+          </a:fontRef>
+        </p:style>
+      </p:cxnSp>
+      <p:sp>
+        <p:nvSpPr>
+          <p:cNvPr id="557" name="Rectangle 556"/>
+          <p:cNvSpPr/>
+          <p:nvPr/>
+        </p:nvSpPr>
+        <p:spPr>
+          <a:xfrm>
+            <a:off x="12268200" y="2209800"/>
+            <a:ext cx="457200" cy="152400"/>
+          </a:xfrm>
+          <a:prstGeom prst="rect">
+            <a:avLst/>
+          </a:prstGeom>
+          <a:noFill/>
+          <a:ln>
+            <a:noFill/>
+          </a:ln>
+        </p:spPr>
+        <p:style>
+          <a:lnRef idx="2">
+            <a:schemeClr val="accent1">
+              <a:shade val="50000"/>
+            </a:schemeClr>
+          </a:lnRef>
+          <a:fillRef idx="1">
+            <a:schemeClr val="accent1"/>
+          </a:fillRef>
+          <a:effectRef idx="0">
+            <a:schemeClr val="accent1"/>
+          </a:effectRef>
+          <a:fontRef idx="minor">
+            <a:schemeClr val="lt1"/>
+          </a:fontRef>
+        </p:style>
+        <p:txBody>
+          <a:bodyPr wrap="none" lIns="45720" rIns="45720" rtlCol="0" anchor="ctr"/>
+          <a:lstStyle/>
+          <a:p>
+            <a:pPr algn="r"/>
+            <a:r>
+              <a:rPr lang="en-US" sz="900" dirty="0">
+                <a:solidFill>
+                  <a:srgbClr val="000000"/>
+                </a:solidFill>
+                <a:latin typeface="Courier New" panose="02070309020205020404" pitchFamily="49" charset="0"/>
+                <a:cs typeface="Courier New" panose="02070309020205020404" pitchFamily="49" charset="0"/>
+              </a:rPr>
+              <a:t>INIT</a:t>
+            </a:r>
+          </a:p>
+        </p:txBody>
+      </p:sp>
+      <p:cxnSp>
+        <p:nvCxnSpPr>
+          <p:cNvPr id="558" name="Straight Connector 557"/>
+          <p:cNvCxnSpPr/>
+          <p:nvPr/>
+        </p:nvCxnSpPr>
+        <p:spPr>
+          <a:xfrm>
+            <a:off x="13030200" y="2514600"/>
+            <a:ext cx="304800" cy="56"/>
+          </a:xfrm>
+          <a:prstGeom prst="line">
+            <a:avLst/>
+          </a:prstGeom>
+          <a:ln w="12700">
+            <a:solidFill>
+              <a:srgbClr val="000000"/>
+            </a:solidFill>
+            <a:headEnd type="none" w="med" len="med"/>
+            <a:tailEnd type="triangle" w="med" len="med"/>
+          </a:ln>
+        </p:spPr>
+        <p:style>
+          <a:lnRef idx="1">
+            <a:schemeClr val="accent1"/>
+          </a:lnRef>
+          <a:fillRef idx="0">
+            <a:schemeClr val="accent1"/>
+          </a:fillRef>
+          <a:effectRef idx="0">
+            <a:schemeClr val="accent1"/>
+          </a:effectRef>
+          <a:fontRef idx="minor">
+            <a:schemeClr val="tx1"/>
+          </a:fontRef>
+        </p:style>
+      </p:cxnSp>
+      <p:sp>
+        <p:nvSpPr>
+          <p:cNvPr id="560" name="Trapezoid 559"/>
+          <p:cNvSpPr/>
+          <p:nvPr/>
+        </p:nvSpPr>
+        <p:spPr>
+          <a:xfrm rot="5400000">
+            <a:off x="12725400" y="1219200"/>
+            <a:ext cx="457200" cy="152400"/>
+          </a:xfrm>
+          <a:prstGeom prst="trapezoid">
+            <a:avLst>
+              <a:gd name="adj" fmla="val 110715"/>
+            </a:avLst>
+          </a:prstGeom>
+          <a:noFill/>
+          <a:ln w="12700">
+            <a:solidFill>
+              <a:srgbClr val="000000"/>
+            </a:solidFill>
+          </a:ln>
+        </p:spPr>
+        <p:style>
+          <a:lnRef idx="2">
+            <a:schemeClr val="accent1">
+              <a:shade val="50000"/>
+            </a:schemeClr>
+          </a:lnRef>
+          <a:fillRef idx="1">
+            <a:schemeClr val="accent1"/>
+          </a:fillRef>
+          <a:effectRef idx="0">
+            <a:schemeClr val="accent1"/>
+          </a:effectRef>
+          <a:fontRef idx="minor">
+            <a:schemeClr val="lt1"/>
+          </a:fontRef>
+        </p:style>
+        <p:txBody>
+          <a:bodyPr rtlCol="0" anchor="ctr"/>
+          <a:lstStyle/>
+          <a:p>
+            <a:pPr algn="ctr"/>
+            <a:endParaRPr lang="en-US" sz="3730"/>
+          </a:p>
+        </p:txBody>
+      </p:sp>
+      <p:sp>
+        <p:nvSpPr>
+          <p:cNvPr id="563" name="Rectangle 562"/>
+          <p:cNvSpPr/>
+          <p:nvPr/>
+        </p:nvSpPr>
+        <p:spPr>
+          <a:xfrm>
+            <a:off x="12877800" y="1295400"/>
+            <a:ext cx="152400" cy="152400"/>
+          </a:xfrm>
+          <a:prstGeom prst="rect">
+            <a:avLst/>
+          </a:prstGeom>
+          <a:noFill/>
+          <a:ln>
+            <a:noFill/>
+          </a:ln>
+        </p:spPr>
+        <p:style>
+          <a:lnRef idx="2">
+            <a:schemeClr val="accent1">
+              <a:shade val="50000"/>
+            </a:schemeClr>
+          </a:lnRef>
+          <a:fillRef idx="1">
+            <a:schemeClr val="accent1"/>
+          </a:fillRef>
+          <a:effectRef idx="0">
+            <a:schemeClr val="accent1"/>
+          </a:effectRef>
+          <a:fontRef idx="minor">
+            <a:schemeClr val="lt1"/>
+          </a:fontRef>
+        </p:style>
+        <p:txBody>
+          <a:bodyPr wrap="none" lIns="45720" rIns="45720" rtlCol="0" anchor="ctr"/>
+          <a:lstStyle/>
+          <a:p>
+            <a:r>
+              <a:rPr lang="en-US" sz="900" dirty="0">
+                <a:solidFill>
+                  <a:srgbClr val="000000"/>
+                </a:solidFill>
+                <a:latin typeface="Courier New" panose="02070309020205020404" pitchFamily="49" charset="0"/>
+                <a:cs typeface="Courier New" panose="02070309020205020404" pitchFamily="49" charset="0"/>
+              </a:rPr>
+              <a:t>0</a:t>
+            </a:r>
+          </a:p>
+        </p:txBody>
+      </p:sp>
+      <p:sp>
+        <p:nvSpPr>
+          <p:cNvPr id="564" name="Rectangle 563"/>
+          <p:cNvSpPr/>
+          <p:nvPr/>
+        </p:nvSpPr>
+        <p:spPr>
+          <a:xfrm>
+            <a:off x="12877800" y="1143000"/>
+            <a:ext cx="152400" cy="152400"/>
+          </a:xfrm>
+          <a:prstGeom prst="rect">
+            <a:avLst/>
+          </a:prstGeom>
+          <a:noFill/>
+          <a:ln>
+            <a:noFill/>
+          </a:ln>
+        </p:spPr>
+        <p:style>
+          <a:lnRef idx="2">
+            <a:schemeClr val="accent1">
+              <a:shade val="50000"/>
+            </a:schemeClr>
+          </a:lnRef>
+          <a:fillRef idx="1">
+            <a:schemeClr val="accent1"/>
+          </a:fillRef>
+          <a:effectRef idx="0">
+            <a:schemeClr val="accent1"/>
+          </a:effectRef>
+          <a:fontRef idx="minor">
+            <a:schemeClr val="lt1"/>
+          </a:fontRef>
+        </p:style>
+        <p:txBody>
+          <a:bodyPr wrap="none" lIns="45720" rIns="45720" rtlCol="0" anchor="ctr"/>
+          <a:lstStyle/>
+          <a:p>
+            <a:r>
+              <a:rPr lang="en-US" sz="900" dirty="0">
+                <a:solidFill>
+                  <a:srgbClr val="000000"/>
+                </a:solidFill>
+                <a:latin typeface="Courier New" panose="02070309020205020404" pitchFamily="49" charset="0"/>
+                <a:cs typeface="Courier New" panose="02070309020205020404" pitchFamily="49" charset="0"/>
+              </a:rPr>
+              <a:t>1</a:t>
+            </a:r>
+          </a:p>
+        </p:txBody>
+      </p:sp>
+      <p:cxnSp>
+        <p:nvCxnSpPr>
+          <p:cNvPr id="565" name="Straight Connector 564"/>
+          <p:cNvCxnSpPr/>
+          <p:nvPr/>
+        </p:nvCxnSpPr>
+        <p:spPr>
+          <a:xfrm flipH="1">
+            <a:off x="12573000" y="1143028"/>
+            <a:ext cx="304800" cy="0"/>
+          </a:xfrm>
+          <a:prstGeom prst="line">
+            <a:avLst/>
+          </a:prstGeom>
+          <a:ln w="12700">
+            <a:solidFill>
+              <a:srgbClr val="000000"/>
+            </a:solidFill>
+            <a:headEnd type="none" w="med" len="med"/>
+            <a:tailEnd type="none" w="med" len="med"/>
+          </a:ln>
+        </p:spPr>
+        <p:style>
+          <a:lnRef idx="1">
+            <a:schemeClr val="accent1"/>
+          </a:lnRef>
+          <a:fillRef idx="0">
+            <a:schemeClr val="accent1"/>
+          </a:fillRef>
+          <a:effectRef idx="0">
+            <a:schemeClr val="accent1"/>
+          </a:effectRef>
+          <a:fontRef idx="minor">
+            <a:schemeClr val="tx1"/>
+          </a:fontRef>
+        </p:style>
+      </p:cxnSp>
+      <p:sp>
+        <p:nvSpPr>
+          <p:cNvPr id="566" name="Rectangle 565"/>
+          <p:cNvSpPr/>
+          <p:nvPr/>
+        </p:nvSpPr>
+        <p:spPr>
+          <a:xfrm>
+            <a:off x="12268200" y="990600"/>
+            <a:ext cx="457200" cy="152400"/>
+          </a:xfrm>
+          <a:prstGeom prst="rect">
+            <a:avLst/>
+          </a:prstGeom>
+          <a:noFill/>
+          <a:ln>
+            <a:noFill/>
+          </a:ln>
+        </p:spPr>
+        <p:style>
+          <a:lnRef idx="2">
+            <a:schemeClr val="accent1">
+              <a:shade val="50000"/>
+            </a:schemeClr>
+          </a:lnRef>
+          <a:fillRef idx="1">
+            <a:schemeClr val="accent1"/>
+          </a:fillRef>
+          <a:effectRef idx="0">
+            <a:schemeClr val="accent1"/>
+          </a:effectRef>
+          <a:fontRef idx="minor">
+            <a:schemeClr val="lt1"/>
+          </a:fontRef>
+        </p:style>
+        <p:txBody>
+          <a:bodyPr wrap="none" lIns="45720" rIns="45720" rtlCol="0" anchor="ctr"/>
+          <a:lstStyle/>
+          <a:p>
+            <a:pPr algn="r"/>
+            <a:r>
               <a:rPr lang="en-US" sz="900" dirty="0">
                 <a:solidFill>
                   <a:srgbClr val="000000"/>
@@ -17474,27 +17617,20 @@
               </a:rPr>
               <a:t>1’b0</a:t>
             </a:r>
-            <a:endParaRPr lang="en-US" sz="900" dirty="0">
-              <a:solidFill>
-                <a:srgbClr val="000000"/>
-              </a:solidFill>
-              <a:latin typeface="Courier New" panose="02070309020205020404" pitchFamily="49" charset="0"/>
-              <a:cs typeface="Courier New" panose="02070309020205020404" pitchFamily="49" charset="0"/>
-            </a:endParaRPr>
-          </a:p>
-        </p:txBody>
-      </p:sp>
-      <p:cxnSp>
-        <p:nvCxnSpPr>
-          <p:cNvPr id="551" name="Straight Connector 550"/>
+          </a:p>
+        </p:txBody>
+      </p:sp>
+      <p:cxnSp>
+        <p:nvCxnSpPr>
+          <p:cNvPr id="567" name="Straight Connector 566"/>
           <p:cNvCxnSpPr>
-            <a:stCxn id="546" idx="0"/>
+            <a:stCxn id="560" idx="0"/>
           </p:cNvCxnSpPr>
           <p:nvPr/>
         </p:nvCxnSpPr>
         <p:spPr>
           <a:xfrm>
-            <a:off x="13030200" y="4343400"/>
+            <a:off x="13030200" y="1295400"/>
             <a:ext cx="304800" cy="56"/>
           </a:xfrm>
           <a:prstGeom prst="line">
@@ -17525,24 +17661,22 @@
       </p:cxnSp>
       <p:sp>
         <p:nvSpPr>
-          <p:cNvPr id="552" name="Trapezoid 551"/>
+          <p:cNvPr id="568" name="Pentagon 567"/>
           <p:cNvSpPr/>
           <p:nvPr/>
         </p:nvSpPr>
         <p:spPr>
-          <a:xfrm rot="5400000">
-            <a:off x="12725400" y="2438400"/>
-            <a:ext cx="457200" cy="152400"/>
-          </a:xfrm>
-          <a:prstGeom prst="trapezoid">
-            <a:avLst>
-              <a:gd name="adj" fmla="val 110715"/>
-            </a:avLst>
+          <a:xfrm>
+            <a:off x="5410200" y="11201400"/>
+            <a:ext cx="228600" cy="152400"/>
+          </a:xfrm>
+          <a:prstGeom prst="homePlate">
+            <a:avLst/>
           </a:prstGeom>
           <a:noFill/>
           <a:ln w="12700">
             <a:solidFill>
-              <a:srgbClr val="000000"/>
+              <a:schemeClr val="tx1"/>
             </a:solidFill>
           </a:ln>
         </p:spPr>
@@ -17563,7 +17697,12 @@
           </a:fontRef>
         </p:style>
         <p:txBody>
-          <a:bodyPr rtlCol="0" anchor="ctr"/>
+          <a:bodyPr rot="0" spcFirstLastPara="0" vertOverflow="overflow" horzOverflow="overflow" vert="horz" wrap="square" lIns="91440" tIns="45720" rIns="91440" bIns="45720" numCol="1" spcCol="0" rtlCol="0" fromWordArt="0" anchor="ctr" anchorCtr="0" forceAA="0" compatLnSpc="1">
+            <a:prstTxWarp prst="textNoShape">
+              <a:avLst/>
+            </a:prstTxWarp>
+            <a:noAutofit/>
+          </a:bodyPr>
           <a:lstStyle/>
           <a:p>
             <a:pPr algn="ctr"/>
@@ -17571,16 +17710,275 @@
           </a:p>
         </p:txBody>
       </p:sp>
-      <p:sp>
-        <p:nvSpPr>
-          <p:cNvPr id="553" name="Rectangle 552"/>
+      <p:cxnSp>
+        <p:nvCxnSpPr>
+          <p:cNvPr id="599" name="Straight Connector 598"/>
+          <p:cNvCxnSpPr/>
+          <p:nvPr/>
+        </p:nvCxnSpPr>
+        <p:spPr>
+          <a:xfrm>
+            <a:off x="5638800" y="11277600"/>
+            <a:ext cx="7315200" cy="0"/>
+          </a:xfrm>
+          <a:prstGeom prst="line">
+            <a:avLst/>
+          </a:prstGeom>
+          <a:ln w="12700">
+            <a:solidFill>
+              <a:srgbClr val="000000"/>
+            </a:solidFill>
+            <a:headEnd type="none" w="med" len="med"/>
+            <a:tailEnd type="none" w="med" len="med"/>
+          </a:ln>
+        </p:spPr>
+        <p:style>
+          <a:lnRef idx="1">
+            <a:schemeClr val="accent1"/>
+          </a:lnRef>
+          <a:fillRef idx="0">
+            <a:schemeClr val="accent1"/>
+          </a:fillRef>
+          <a:effectRef idx="0">
+            <a:schemeClr val="accent1"/>
+          </a:effectRef>
+          <a:fontRef idx="minor">
+            <a:schemeClr val="tx1"/>
+          </a:fontRef>
+        </p:style>
+      </p:cxnSp>
+      <p:cxnSp>
+        <p:nvCxnSpPr>
+          <p:cNvPr id="601" name="Straight Connector 600"/>
+          <p:cNvCxnSpPr/>
+          <p:nvPr/>
+        </p:nvCxnSpPr>
+        <p:spPr>
+          <a:xfrm flipV="1">
+            <a:off x="12954000" y="10668000"/>
+            <a:ext cx="0" cy="609600"/>
+          </a:xfrm>
+          <a:prstGeom prst="line">
+            <a:avLst/>
+          </a:prstGeom>
+          <a:ln w="12700">
+            <a:solidFill>
+              <a:srgbClr val="000000"/>
+            </a:solidFill>
+            <a:headEnd type="none" w="med" len="med"/>
+            <a:tailEnd type="none" w="med" len="med"/>
+          </a:ln>
+        </p:spPr>
+        <p:style>
+          <a:lnRef idx="1">
+            <a:schemeClr val="accent1"/>
+          </a:lnRef>
+          <a:fillRef idx="0">
+            <a:schemeClr val="accent1"/>
+          </a:fillRef>
+          <a:effectRef idx="0">
+            <a:schemeClr val="accent1"/>
+          </a:effectRef>
+          <a:fontRef idx="minor">
+            <a:schemeClr val="tx1"/>
+          </a:fontRef>
+        </p:style>
+      </p:cxnSp>
+      <p:cxnSp>
+        <p:nvCxnSpPr>
+          <p:cNvPr id="604" name="Straight Connector 603"/>
+          <p:cNvCxnSpPr/>
+          <p:nvPr/>
+        </p:nvCxnSpPr>
+        <p:spPr>
+          <a:xfrm flipV="1">
+            <a:off x="12954000" y="9296400"/>
+            <a:ext cx="0" cy="1066800"/>
+          </a:xfrm>
+          <a:prstGeom prst="line">
+            <a:avLst/>
+          </a:prstGeom>
+          <a:ln w="12700">
+            <a:solidFill>
+              <a:srgbClr val="000000"/>
+            </a:solidFill>
+            <a:headEnd type="none" w="med" len="med"/>
+            <a:tailEnd type="none" w="med" len="med"/>
+          </a:ln>
+        </p:spPr>
+        <p:style>
+          <a:lnRef idx="1">
+            <a:schemeClr val="accent1"/>
+          </a:lnRef>
+          <a:fillRef idx="0">
+            <a:schemeClr val="accent1"/>
+          </a:fillRef>
+          <a:effectRef idx="0">
+            <a:schemeClr val="accent1"/>
+          </a:effectRef>
+          <a:fontRef idx="minor">
+            <a:schemeClr val="tx1"/>
+          </a:fontRef>
+        </p:style>
+      </p:cxnSp>
+      <p:cxnSp>
+        <p:nvCxnSpPr>
+          <p:cNvPr id="644" name="Straight Connector 643"/>
+          <p:cNvCxnSpPr/>
+          <p:nvPr/>
+        </p:nvCxnSpPr>
+        <p:spPr>
+          <a:xfrm flipV="1">
+            <a:off x="12954000" y="5867400"/>
+            <a:ext cx="0" cy="3124200"/>
+          </a:xfrm>
+          <a:prstGeom prst="line">
+            <a:avLst/>
+          </a:prstGeom>
+          <a:ln w="12700">
+            <a:solidFill>
+              <a:srgbClr val="000000"/>
+            </a:solidFill>
+            <a:headEnd type="none" w="med" len="med"/>
+            <a:tailEnd type="none" w="med" len="med"/>
+          </a:ln>
+        </p:spPr>
+        <p:style>
+          <a:lnRef idx="1">
+            <a:schemeClr val="accent1"/>
+          </a:lnRef>
+          <a:fillRef idx="0">
+            <a:schemeClr val="accent1"/>
+          </a:fillRef>
+          <a:effectRef idx="0">
+            <a:schemeClr val="accent1"/>
+          </a:effectRef>
+          <a:fontRef idx="minor">
+            <a:schemeClr val="tx1"/>
+          </a:fontRef>
+        </p:style>
+      </p:cxnSp>
+      <p:cxnSp>
+        <p:nvCxnSpPr>
+          <p:cNvPr id="660" name="Straight Connector 659"/>
+          <p:cNvCxnSpPr/>
+          <p:nvPr/>
+        </p:nvCxnSpPr>
+        <p:spPr>
+          <a:xfrm flipV="1">
+            <a:off x="12954000" y="4495800"/>
+            <a:ext cx="0" cy="1066800"/>
+          </a:xfrm>
+          <a:prstGeom prst="line">
+            <a:avLst/>
+          </a:prstGeom>
+          <a:ln w="12700">
+            <a:solidFill>
+              <a:srgbClr val="000000"/>
+            </a:solidFill>
+            <a:headEnd type="none" w="med" len="med"/>
+            <a:tailEnd type="none" w="med" len="med"/>
+          </a:ln>
+        </p:spPr>
+        <p:style>
+          <a:lnRef idx="1">
+            <a:schemeClr val="accent1"/>
+          </a:lnRef>
+          <a:fillRef idx="0">
+            <a:schemeClr val="accent1"/>
+          </a:fillRef>
+          <a:effectRef idx="0">
+            <a:schemeClr val="accent1"/>
+          </a:effectRef>
+          <a:fontRef idx="minor">
+            <a:schemeClr val="tx1"/>
+          </a:fontRef>
+        </p:style>
+      </p:cxnSp>
+      <p:cxnSp>
+        <p:nvCxnSpPr>
+          <p:cNvPr id="661" name="Straight Connector 660"/>
+          <p:cNvCxnSpPr/>
+          <p:nvPr/>
+        </p:nvCxnSpPr>
+        <p:spPr>
+          <a:xfrm flipV="1">
+            <a:off x="12954000" y="2667000"/>
+            <a:ext cx="0" cy="1524000"/>
+          </a:xfrm>
+          <a:prstGeom prst="line">
+            <a:avLst/>
+          </a:prstGeom>
+          <a:ln w="12700">
+            <a:solidFill>
+              <a:srgbClr val="000000"/>
+            </a:solidFill>
+            <a:headEnd type="none" w="med" len="med"/>
+            <a:tailEnd type="none" w="med" len="med"/>
+          </a:ln>
+        </p:spPr>
+        <p:style>
+          <a:lnRef idx="1">
+            <a:schemeClr val="accent1"/>
+          </a:lnRef>
+          <a:fillRef idx="0">
+            <a:schemeClr val="accent1"/>
+          </a:fillRef>
+          <a:effectRef idx="0">
+            <a:schemeClr val="accent1"/>
+          </a:effectRef>
+          <a:fontRef idx="minor">
+            <a:schemeClr val="tx1"/>
+          </a:fontRef>
+        </p:style>
+      </p:cxnSp>
+      <p:cxnSp>
+        <p:nvCxnSpPr>
+          <p:cNvPr id="662" name="Straight Connector 661"/>
+          <p:cNvCxnSpPr/>
+          <p:nvPr/>
+        </p:nvCxnSpPr>
+        <p:spPr>
+          <a:xfrm flipH="1" flipV="1">
+            <a:off x="13716000" y="2743200"/>
+            <a:ext cx="152400" cy="76200"/>
+          </a:xfrm>
+          <a:prstGeom prst="line">
+            <a:avLst/>
+          </a:prstGeom>
+          <a:ln w="12700">
+            <a:solidFill>
+              <a:srgbClr val="000000"/>
+            </a:solidFill>
+            <a:headEnd type="none" w="med" len="med"/>
+            <a:tailEnd type="triangle" w="med" len="med"/>
+          </a:ln>
+        </p:spPr>
+        <p:style>
+          <a:lnRef idx="1">
+            <a:schemeClr val="accent1"/>
+          </a:lnRef>
+          <a:fillRef idx="0">
+            <a:schemeClr val="accent1"/>
+          </a:fillRef>
+          <a:effectRef idx="0">
+            <a:schemeClr val="accent1"/>
+          </a:effectRef>
+          <a:fontRef idx="minor">
+            <a:schemeClr val="tx1"/>
+          </a:fontRef>
+        </p:style>
+      </p:cxnSp>
+      <p:sp>
+        <p:nvSpPr>
+          <p:cNvPr id="663" name="Rectangle 662"/>
           <p:cNvSpPr/>
           <p:nvPr/>
         </p:nvSpPr>
         <p:spPr>
           <a:xfrm>
-            <a:off x="12877800" y="2514600"/>
-            <a:ext cx="152400" cy="152400"/>
+            <a:off x="13639800" y="2819400"/>
+            <a:ext cx="457200" cy="152400"/>
           </a:xfrm>
           <a:prstGeom prst="rect">
             <a:avLst/>
@@ -17610,6 +18008,16 @@
           <a:bodyPr wrap="none" lIns="45720" rIns="45720" rtlCol="0" anchor="ctr"/>
           <a:lstStyle/>
           <a:p>
+            <a:r>
+              <a:rPr lang="en-US" sz="900" dirty="0" err="1">
+                <a:solidFill>
+                  <a:srgbClr val="000000"/>
+                </a:solidFill>
+                <a:latin typeface="Courier New" panose="02070309020205020404" pitchFamily="49" charset="0"/>
+                <a:cs typeface="Courier New" panose="02070309020205020404" pitchFamily="49" charset="0"/>
+              </a:rPr>
+              <a:t>rst</a:t>
+            </a:r>
             <a:r>
               <a:rPr lang="en-US" sz="900" dirty="0">
                 <a:solidFill>
@@ -17618,21 +18026,95 @@
                 <a:latin typeface="Courier New" panose="02070309020205020404" pitchFamily="49" charset="0"/>
                 <a:cs typeface="Courier New" panose="02070309020205020404" pitchFamily="49" charset="0"/>
               </a:rPr>
-              <a:t>0</a:t>
-            </a:r>
-          </a:p>
-        </p:txBody>
-      </p:sp>
-      <p:sp>
-        <p:nvSpPr>
-          <p:cNvPr id="554" name="Rectangle 553"/>
+              <a:t>-&gt;INIT</a:t>
+            </a:r>
+          </a:p>
+        </p:txBody>
+      </p:sp>
+      <p:cxnSp>
+        <p:nvCxnSpPr>
+          <p:cNvPr id="664" name="Straight Connector 663"/>
+          <p:cNvCxnSpPr/>
+          <p:nvPr/>
+        </p:nvCxnSpPr>
+        <p:spPr>
+          <a:xfrm flipV="1">
+            <a:off x="12954000" y="1447800"/>
+            <a:ext cx="0" cy="990600"/>
+          </a:xfrm>
+          <a:prstGeom prst="line">
+            <a:avLst/>
+          </a:prstGeom>
+          <a:ln w="12700">
+            <a:solidFill>
+              <a:srgbClr val="000000"/>
+            </a:solidFill>
+            <a:headEnd type="none" w="med" len="med"/>
+            <a:tailEnd type="none" w="med" len="med"/>
+          </a:ln>
+        </p:spPr>
+        <p:style>
+          <a:lnRef idx="1">
+            <a:schemeClr val="accent1"/>
+          </a:lnRef>
+          <a:fillRef idx="0">
+            <a:schemeClr val="accent1"/>
+          </a:fillRef>
+          <a:effectRef idx="0">
+            <a:schemeClr val="accent1"/>
+          </a:effectRef>
+          <a:fontRef idx="minor">
+            <a:schemeClr val="tx1"/>
+          </a:fontRef>
+        </p:style>
+      </p:cxnSp>
+      <p:cxnSp>
+        <p:nvCxnSpPr>
+          <p:cNvPr id="665" name="Straight Connector 664"/>
+          <p:cNvCxnSpPr/>
+          <p:nvPr/>
+        </p:nvCxnSpPr>
+        <p:spPr>
+          <a:xfrm flipV="1">
+            <a:off x="5715000" y="11201400"/>
+            <a:ext cx="152400" cy="152404"/>
+          </a:xfrm>
+          <a:prstGeom prst="line">
+            <a:avLst/>
+          </a:prstGeom>
+          <a:ln w="12700">
+            <a:solidFill>
+              <a:srgbClr val="000000"/>
+            </a:solidFill>
+            <a:headEnd type="none" w="med" len="med"/>
+            <a:tailEnd type="none" w="med" len="med"/>
+          </a:ln>
+        </p:spPr>
+        <p:style>
+          <a:lnRef idx="1">
+            <a:schemeClr val="accent1"/>
+          </a:lnRef>
+          <a:fillRef idx="0">
+            <a:schemeClr val="accent1"/>
+          </a:fillRef>
+          <a:effectRef idx="0">
+            <a:schemeClr val="accent1"/>
+          </a:effectRef>
+          <a:fontRef idx="minor">
+            <a:schemeClr val="tx1"/>
+          </a:fontRef>
+        </p:style>
+      </p:cxnSp>
+      <p:sp>
+        <p:nvSpPr>
+          <p:cNvPr id="668" name="Rectangle 667"/>
           <p:cNvSpPr/>
           <p:nvPr/>
         </p:nvSpPr>
         <p:spPr>
           <a:xfrm>
-            <a:off x="12877800" y="2362200"/>
-            <a:ext cx="152400" cy="152400"/>
+            <a:off x="5943600" y="11125200"/>
+            <a:ext cx="457200" cy="152400"/>
           </a:xfrm>
           <a:prstGeom prst="rect">
             <a:avLst/>
@@ -17662,6 +18144,59 @@
           <a:bodyPr wrap="none" lIns="45720" rIns="45720" rtlCol="0" anchor="ctr"/>
           <a:lstStyle/>
           <a:p>
+            <a:r>
+              <a:rPr lang="en-US" sz="900" dirty="0">
+                <a:solidFill>
+                  <a:srgbClr val="000000"/>
+                </a:solidFill>
+                <a:latin typeface="Courier New" panose="02070309020205020404" pitchFamily="49" charset="0"/>
+                <a:cs typeface="Courier New" panose="02070309020205020404" pitchFamily="49" charset="0"/>
+              </a:rPr>
+              <a:t>CLR</a:t>
+            </a:r>
+          </a:p>
+        </p:txBody>
+      </p:sp>
+      <p:sp>
+        <p:nvSpPr>
+          <p:cNvPr id="670" name="Rectangle 669"/>
+          <p:cNvSpPr/>
+          <p:nvPr/>
+        </p:nvSpPr>
+        <p:spPr>
+          <a:xfrm>
+            <a:off x="5715001" y="11125200"/>
+            <a:ext cx="152400" cy="76200"/>
+          </a:xfrm>
+          <a:prstGeom prst="rect">
+            <a:avLst/>
+          </a:prstGeom>
+          <a:noFill/>
+          <a:ln>
+            <a:noFill/>
+          </a:ln>
+        </p:spPr>
+        <p:style>
+          <a:lnRef idx="2">
+            <a:schemeClr val="accent1">
+              <a:shade val="50000"/>
+            </a:schemeClr>
+          </a:lnRef>
+          <a:fillRef idx="1">
+            <a:schemeClr val="accent1"/>
+          </a:fillRef>
+          <a:effectRef idx="0">
+            <a:schemeClr val="accent1"/>
+          </a:effectRef>
+          <a:fontRef idx="minor">
+            <a:schemeClr val="lt1"/>
+          </a:fontRef>
+        </p:style>
+        <p:txBody>
+          <a:bodyPr wrap="none" lIns="45720" rIns="45720" rtlCol="0" anchor="ctr"/>
+          <a:lstStyle/>
+          <a:p>
+            <a:pPr algn="ctr"/>
             <a:r>
               <a:rPr lang="en-US" sz="900" dirty="0">
                 <a:solidFill>
@@ -17677,14 +18212,14 @@
       </p:sp>
       <p:cxnSp>
         <p:nvCxnSpPr>
-          <p:cNvPr id="555" name="Straight Connector 554"/>
+          <p:cNvPr id="671" name="Straight Connector 670"/>
           <p:cNvCxnSpPr/>
           <p:nvPr/>
         </p:nvCxnSpPr>
         <p:spPr>
           <a:xfrm flipH="1">
-            <a:off x="12573000" y="2362228"/>
-            <a:ext cx="304800" cy="0"/>
+            <a:off x="6248400" y="1905000"/>
+            <a:ext cx="8458200" cy="0"/>
           </a:xfrm>
           <a:prstGeom prst="line">
             <a:avLst/>
@@ -17694,6 +18229,43 @@
               <a:srgbClr val="000000"/>
             </a:solidFill>
             <a:headEnd type="none" w="med" len="med"/>
+            <a:tailEnd type="triangle" w="med" len="med"/>
+          </a:ln>
+        </p:spPr>
+        <p:style>
+          <a:lnRef idx="1">
+            <a:schemeClr val="accent1"/>
+          </a:lnRef>
+          <a:fillRef idx="0">
+            <a:schemeClr val="accent1"/>
+          </a:fillRef>
+          <a:effectRef idx="0">
+            <a:schemeClr val="accent1"/>
+          </a:effectRef>
+          <a:fontRef idx="minor">
+            <a:schemeClr val="tx1"/>
+          </a:fontRef>
+        </p:style>
+      </p:cxnSp>
+      <p:cxnSp>
+        <p:nvCxnSpPr>
+          <p:cNvPr id="673" name="Straight Connector 672"/>
+          <p:cNvCxnSpPr/>
+          <p:nvPr/>
+        </p:nvCxnSpPr>
+        <p:spPr>
+          <a:xfrm flipH="1">
+            <a:off x="13639800" y="4343400"/>
+            <a:ext cx="1066800" cy="0"/>
+          </a:xfrm>
+          <a:prstGeom prst="line">
+            <a:avLst/>
+          </a:prstGeom>
+          <a:ln w="12700">
+            <a:solidFill>
+              <a:srgbClr val="000000"/>
+            </a:solidFill>
+            <a:headEnd type="oval" w="med" len="med"/>
             <a:tailEnd type="none" w="med" len="med"/>
           </a:ln>
         </p:spPr>
@@ -17714,21 +18286,23 @@
       </p:cxnSp>
       <p:sp>
         <p:nvSpPr>
-          <p:cNvPr id="557" name="Rectangle 556"/>
+          <p:cNvPr id="675" name="Pentagon 674"/>
           <p:cNvSpPr/>
           <p:nvPr/>
         </p:nvSpPr>
         <p:spPr>
           <a:xfrm>
-            <a:off x="12268200" y="2209800"/>
-            <a:ext cx="457200" cy="152400"/>
-          </a:xfrm>
-          <a:prstGeom prst="rect">
+            <a:off x="5410200" y="11658600"/>
+            <a:ext cx="228600" cy="152400"/>
+          </a:xfrm>
+          <a:prstGeom prst="homePlate">
             <a:avLst/>
           </a:prstGeom>
           <a:noFill/>
-          <a:ln>
-            <a:noFill/>
+          <a:ln w="12700">
+            <a:solidFill>
+              <a:schemeClr val="tx1"/>
+            </a:solidFill>
           </a:ln>
         </p:spPr>
         <p:style>
@@ -17748,40 +18322,29 @@
           </a:fontRef>
         </p:style>
         <p:txBody>
-          <a:bodyPr wrap="none" lIns="45720" rIns="45720" rtlCol="0" anchor="ctr"/>
-          <a:lstStyle/>
-          <a:p>
-            <a:pPr algn="r"/>
-            <a:r>
-              <a:rPr lang="en-US" sz="900" dirty="0">
-                <a:solidFill>
-                  <a:srgbClr val="000000"/>
-                </a:solidFill>
-                <a:latin typeface="Courier New" panose="02070309020205020404" pitchFamily="49" charset="0"/>
-                <a:cs typeface="Courier New" panose="02070309020205020404" pitchFamily="49" charset="0"/>
-              </a:rPr>
-              <a:t>INIT</a:t>
-            </a:r>
-            <a:endParaRPr lang="en-US" sz="900" dirty="0">
-              <a:solidFill>
-                <a:srgbClr val="000000"/>
-              </a:solidFill>
-              <a:latin typeface="Courier New" panose="02070309020205020404" pitchFamily="49" charset="0"/>
-              <a:cs typeface="Courier New" panose="02070309020205020404" pitchFamily="49" charset="0"/>
-            </a:endParaRPr>
-          </a:p>
-        </p:txBody>
-      </p:sp>
-      <p:cxnSp>
-        <p:nvCxnSpPr>
-          <p:cNvPr id="558" name="Straight Connector 557"/>
+          <a:bodyPr rot="0" spcFirstLastPara="0" vertOverflow="overflow" horzOverflow="overflow" vert="horz" wrap="square" lIns="91440" tIns="45720" rIns="91440" bIns="45720" numCol="1" spcCol="0" rtlCol="0" fromWordArt="0" anchor="ctr" anchorCtr="0" forceAA="0" compatLnSpc="1">
+            <a:prstTxWarp prst="textNoShape">
+              <a:avLst/>
+            </a:prstTxWarp>
+            <a:noAutofit/>
+          </a:bodyPr>
+          <a:lstStyle/>
+          <a:p>
+            <a:pPr algn="ctr"/>
+            <a:endParaRPr lang="en-US" sz="3730"/>
+          </a:p>
+        </p:txBody>
+      </p:sp>
+      <p:cxnSp>
+        <p:nvCxnSpPr>
+          <p:cNvPr id="677" name="Straight Connector 676"/>
           <p:cNvCxnSpPr/>
           <p:nvPr/>
         </p:nvCxnSpPr>
         <p:spPr>
-          <a:xfrm>
-            <a:off x="13030200" y="2514600"/>
-            <a:ext cx="304800" cy="56"/>
+          <a:xfrm flipV="1">
+            <a:off x="5715000" y="11658600"/>
+            <a:ext cx="152400" cy="152400"/>
           </a:xfrm>
           <a:prstGeom prst="line">
             <a:avLst/>
@@ -17791,45 +18354,41 @@
               <a:srgbClr val="000000"/>
             </a:solidFill>
             <a:headEnd type="none" w="med" len="med"/>
-            <a:tailEnd type="triangle" w="med" len="med"/>
-          </a:ln>
-        </p:spPr>
-        <p:style>
-          <a:lnRef idx="1">
-            <a:schemeClr val="accent1"/>
-          </a:lnRef>
-          <a:fillRef idx="0">
-            <a:schemeClr val="accent1"/>
-          </a:fillRef>
-          <a:effectRef idx="0">
-            <a:schemeClr val="accent1"/>
-          </a:effectRef>
-          <a:fontRef idx="minor">
-            <a:schemeClr val="tx1"/>
-          </a:fontRef>
-        </p:style>
-      </p:cxnSp>
-      <p:sp>
-        <p:nvSpPr>
-          <p:cNvPr id="560" name="Trapezoid 559"/>
+            <a:tailEnd type="none" w="med" len="med"/>
+          </a:ln>
+        </p:spPr>
+        <p:style>
+          <a:lnRef idx="1">
+            <a:schemeClr val="accent1"/>
+          </a:lnRef>
+          <a:fillRef idx="0">
+            <a:schemeClr val="accent1"/>
+          </a:fillRef>
+          <a:effectRef idx="0">
+            <a:schemeClr val="accent1"/>
+          </a:effectRef>
+          <a:fontRef idx="minor">
+            <a:schemeClr val="tx1"/>
+          </a:fontRef>
+        </p:style>
+      </p:cxnSp>
+      <p:sp>
+        <p:nvSpPr>
+          <p:cNvPr id="678" name="Rectangle 677"/>
           <p:cNvSpPr/>
           <p:nvPr/>
         </p:nvSpPr>
         <p:spPr>
-          <a:xfrm rot="5400000">
-            <a:off x="12725400" y="1219200"/>
-            <a:ext cx="457200" cy="152400"/>
-          </a:xfrm>
-          <a:prstGeom prst="trapezoid">
-            <a:avLst>
-              <a:gd name="adj" fmla="val 110715"/>
-            </a:avLst>
+          <a:xfrm>
+            <a:off x="5715000" y="11582400"/>
+            <a:ext cx="152400" cy="76200"/>
+          </a:xfrm>
+          <a:prstGeom prst="rect">
+            <a:avLst/>
           </a:prstGeom>
           <a:noFill/>
-          <a:ln w="12700">
-            <a:solidFill>
-              <a:srgbClr val="000000"/>
-            </a:solidFill>
+          <a:ln>
+            <a:noFill/>
           </a:ln>
         </p:spPr>
         <p:style>
@@ -17849,105 +18408,10 @@
           </a:fontRef>
         </p:style>
         <p:txBody>
-          <a:bodyPr rtlCol="0" anchor="ctr"/>
+          <a:bodyPr wrap="none" lIns="45720" rIns="45720" rtlCol="0" anchor="ctr"/>
           <a:lstStyle/>
           <a:p>
             <a:pPr algn="ctr"/>
-            <a:endParaRPr lang="en-US" sz="3730"/>
-          </a:p>
-        </p:txBody>
-      </p:sp>
-      <p:sp>
-        <p:nvSpPr>
-          <p:cNvPr id="563" name="Rectangle 562"/>
-          <p:cNvSpPr/>
-          <p:nvPr/>
-        </p:nvSpPr>
-        <p:spPr>
-          <a:xfrm>
-            <a:off x="12877800" y="1295400"/>
-            <a:ext cx="152400" cy="152400"/>
-          </a:xfrm>
-          <a:prstGeom prst="rect">
-            <a:avLst/>
-          </a:prstGeom>
-          <a:noFill/>
-          <a:ln>
-            <a:noFill/>
-          </a:ln>
-        </p:spPr>
-        <p:style>
-          <a:lnRef idx="2">
-            <a:schemeClr val="accent1">
-              <a:shade val="50000"/>
-            </a:schemeClr>
-          </a:lnRef>
-          <a:fillRef idx="1">
-            <a:schemeClr val="accent1"/>
-          </a:fillRef>
-          <a:effectRef idx="0">
-            <a:schemeClr val="accent1"/>
-          </a:effectRef>
-          <a:fontRef idx="minor">
-            <a:schemeClr val="lt1"/>
-          </a:fontRef>
-        </p:style>
-        <p:txBody>
-          <a:bodyPr wrap="none" lIns="45720" rIns="45720" rtlCol="0" anchor="ctr"/>
-          <a:lstStyle/>
-          <a:p>
-            <a:r>
-              <a:rPr lang="en-US" sz="900" dirty="0">
-                <a:solidFill>
-                  <a:srgbClr val="000000"/>
-                </a:solidFill>
-                <a:latin typeface="Courier New" panose="02070309020205020404" pitchFamily="49" charset="0"/>
-                <a:cs typeface="Courier New" panose="02070309020205020404" pitchFamily="49" charset="0"/>
-              </a:rPr>
-              <a:t>0</a:t>
-            </a:r>
-          </a:p>
-        </p:txBody>
-      </p:sp>
-      <p:sp>
-        <p:nvSpPr>
-          <p:cNvPr id="564" name="Rectangle 563"/>
-          <p:cNvSpPr/>
-          <p:nvPr/>
-        </p:nvSpPr>
-        <p:spPr>
-          <a:xfrm>
-            <a:off x="12877800" y="1143000"/>
-            <a:ext cx="152400" cy="152400"/>
-          </a:xfrm>
-          <a:prstGeom prst="rect">
-            <a:avLst/>
-          </a:prstGeom>
-          <a:noFill/>
-          <a:ln>
-            <a:noFill/>
-          </a:ln>
-        </p:spPr>
-        <p:style>
-          <a:lnRef idx="2">
-            <a:schemeClr val="accent1">
-              <a:shade val="50000"/>
-            </a:schemeClr>
-          </a:lnRef>
-          <a:fillRef idx="1">
-            <a:schemeClr val="accent1"/>
-          </a:fillRef>
-          <a:effectRef idx="0">
-            <a:schemeClr val="accent1"/>
-          </a:effectRef>
-          <a:fontRef idx="minor">
-            <a:schemeClr val="lt1"/>
-          </a:fontRef>
-        </p:style>
-        <p:txBody>
-          <a:bodyPr wrap="none" lIns="45720" rIns="45720" rtlCol="0" anchor="ctr"/>
-          <a:lstStyle/>
-          <a:p>
             <a:r>
               <a:rPr lang="en-US" sz="900" dirty="0">
                 <a:solidFill>
@@ -17961,52 +18425,15 @@
           </a:p>
         </p:txBody>
       </p:sp>
-      <p:cxnSp>
-        <p:nvCxnSpPr>
-          <p:cNvPr id="565" name="Straight Connector 564"/>
-          <p:cNvCxnSpPr/>
-          <p:nvPr/>
-        </p:nvCxnSpPr>
-        <p:spPr>
-          <a:xfrm flipH="1">
-            <a:off x="12573000" y="1143028"/>
-            <a:ext cx="304800" cy="0"/>
-          </a:xfrm>
-          <a:prstGeom prst="line">
-            <a:avLst/>
-          </a:prstGeom>
-          <a:ln w="12700">
-            <a:solidFill>
-              <a:srgbClr val="000000"/>
-            </a:solidFill>
-            <a:headEnd type="none" w="med" len="med"/>
-            <a:tailEnd type="none" w="med" len="med"/>
-          </a:ln>
-        </p:spPr>
-        <p:style>
-          <a:lnRef idx="1">
-            <a:schemeClr val="accent1"/>
-          </a:lnRef>
-          <a:fillRef idx="0">
-            <a:schemeClr val="accent1"/>
-          </a:fillRef>
-          <a:effectRef idx="0">
-            <a:schemeClr val="accent1"/>
-          </a:effectRef>
-          <a:fontRef idx="minor">
-            <a:schemeClr val="tx1"/>
-          </a:fontRef>
-        </p:style>
-      </p:cxnSp>
-      <p:sp>
-        <p:nvSpPr>
-          <p:cNvPr id="566" name="Rectangle 565"/>
+      <p:sp>
+        <p:nvSpPr>
+          <p:cNvPr id="680" name="Rectangle 679"/>
           <p:cNvSpPr/>
           <p:nvPr/>
         </p:nvSpPr>
         <p:spPr>
           <a:xfrm>
-            <a:off x="12268200" y="990600"/>
+            <a:off x="5943600" y="11582400"/>
             <a:ext cx="457200" cy="152400"/>
           </a:xfrm>
           <a:prstGeom prst="rect">
@@ -18037,7 +18464,6 @@
           <a:bodyPr wrap="none" lIns="45720" rIns="45720" rtlCol="0" anchor="ctr"/>
           <a:lstStyle/>
           <a:p>
-            <a:pPr algn="r"/>
             <a:r>
               <a:rPr lang="en-US" sz="900" dirty="0">
                 <a:solidFill>
@@ -18046,30 +18472,23 @@
                 <a:latin typeface="Courier New" panose="02070309020205020404" pitchFamily="49" charset="0"/>
                 <a:cs typeface="Courier New" panose="02070309020205020404" pitchFamily="49" charset="0"/>
               </a:rPr>
-              <a:t>1’b0</a:t>
-            </a:r>
-            <a:endParaRPr lang="en-US" sz="900" dirty="0">
-              <a:solidFill>
-                <a:srgbClr val="000000"/>
-              </a:solidFill>
-              <a:latin typeface="Courier New" panose="02070309020205020404" pitchFamily="49" charset="0"/>
-              <a:cs typeface="Courier New" panose="02070309020205020404" pitchFamily="49" charset="0"/>
-            </a:endParaRPr>
-          </a:p>
-        </p:txBody>
-      </p:sp>
-      <p:cxnSp>
-        <p:nvCxnSpPr>
-          <p:cNvPr id="567" name="Straight Connector 566"/>
+              <a:t>CLK</a:t>
+            </a:r>
+          </a:p>
+        </p:txBody>
+      </p:sp>
+      <p:cxnSp>
+        <p:nvCxnSpPr>
+          <p:cNvPr id="682" name="Straight Connector 681"/>
           <p:cNvCxnSpPr>
-            <a:stCxn id="560" idx="0"/>
+            <a:stCxn id="675" idx="3"/>
           </p:cNvCxnSpPr>
           <p:nvPr/>
         </p:nvCxnSpPr>
         <p:spPr>
           <a:xfrm>
-            <a:off x="13030200" y="1295400"/>
-            <a:ext cx="304800" cy="56"/>
+            <a:off x="5638800" y="11734800"/>
+            <a:ext cx="914400" cy="0"/>
           </a:xfrm>
           <a:prstGeom prst="line">
             <a:avLst/>
@@ -18099,22 +18518,22 @@
       </p:cxnSp>
       <p:sp>
         <p:nvSpPr>
-          <p:cNvPr id="568" name="Pentagon 567"/>
+          <p:cNvPr id="683" name="Rectangle 682"/>
           <p:cNvSpPr/>
           <p:nvPr/>
         </p:nvSpPr>
         <p:spPr>
           <a:xfrm>
-            <a:off x="5410200" y="11201400"/>
-            <a:ext cx="228600" cy="152400"/>
-          </a:xfrm>
-          <a:prstGeom prst="homePlate">
+            <a:off x="7010400" y="11658622"/>
+            <a:ext cx="304800" cy="304793"/>
+          </a:xfrm>
+          <a:prstGeom prst="rect">
             <a:avLst/>
           </a:prstGeom>
           <a:noFill/>
           <a:ln w="12700">
             <a:solidFill>
-              <a:schemeClr val="tx1"/>
+              <a:srgbClr val="000000"/>
             </a:solidFill>
           </a:ln>
         </p:spPr>
@@ -18135,12 +18554,7 @@
           </a:fontRef>
         </p:style>
         <p:txBody>
-          <a:bodyPr rot="0" spcFirstLastPara="0" vertOverflow="overflow" horzOverflow="overflow" vert="horz" wrap="square" lIns="91440" tIns="45720" rIns="91440" bIns="45720" numCol="1" spcCol="0" rtlCol="0" fromWordArt="0" anchor="ctr" anchorCtr="0" forceAA="0" compatLnSpc="1">
-            <a:prstTxWarp prst="textNoShape">
-              <a:avLst/>
-            </a:prstTxWarp>
-            <a:noAutofit/>
-          </a:bodyPr>
+          <a:bodyPr rtlCol="0" anchor="ctr"/>
           <a:lstStyle/>
           <a:p>
             <a:pPr algn="ctr"/>
@@ -18150,273 +18564,84 @@
       </p:sp>
       <p:cxnSp>
         <p:nvCxnSpPr>
-          <p:cNvPr id="599" name="Straight Connector 598"/>
+          <p:cNvPr id="687" name="Straight Connector 686"/>
           <p:cNvCxnSpPr/>
           <p:nvPr/>
         </p:nvCxnSpPr>
         <p:spPr>
-          <a:xfrm>
-            <a:off x="5638800" y="11277600"/>
-            <a:ext cx="7315200" cy="0"/>
-          </a:xfrm>
-          <a:prstGeom prst="line">
-            <a:avLst/>
-          </a:prstGeom>
-          <a:ln w="12700">
-            <a:solidFill>
-              <a:srgbClr val="000000"/>
-            </a:solidFill>
-            <a:headEnd type="none" w="med" len="med"/>
-            <a:tailEnd type="none" w="med" len="med"/>
-          </a:ln>
-        </p:spPr>
-        <p:style>
-          <a:lnRef idx="1">
-            <a:schemeClr val="accent1"/>
-          </a:lnRef>
-          <a:fillRef idx="0">
-            <a:schemeClr val="accent1"/>
-          </a:fillRef>
-          <a:effectRef idx="0">
-            <a:schemeClr val="accent1"/>
-          </a:effectRef>
-          <a:fontRef idx="minor">
-            <a:schemeClr val="tx1"/>
-          </a:fontRef>
-        </p:style>
-      </p:cxnSp>
-      <p:cxnSp>
-        <p:nvCxnSpPr>
-          <p:cNvPr id="601" name="Straight Connector 600"/>
+          <a:xfrm flipV="1">
+            <a:off x="7086601" y="11887173"/>
+            <a:ext cx="76200" cy="76200"/>
+          </a:xfrm>
+          <a:prstGeom prst="line">
+            <a:avLst/>
+          </a:prstGeom>
+          <a:ln w="12700">
+            <a:solidFill>
+              <a:srgbClr val="000000"/>
+            </a:solidFill>
+          </a:ln>
+        </p:spPr>
+        <p:style>
+          <a:lnRef idx="1">
+            <a:schemeClr val="accent1"/>
+          </a:lnRef>
+          <a:fillRef idx="0">
+            <a:schemeClr val="accent1"/>
+          </a:fillRef>
+          <a:effectRef idx="0">
+            <a:schemeClr val="accent1"/>
+          </a:effectRef>
+          <a:fontRef idx="minor">
+            <a:schemeClr val="tx1"/>
+          </a:fontRef>
+        </p:style>
+      </p:cxnSp>
+      <p:cxnSp>
+        <p:nvCxnSpPr>
+          <p:cNvPr id="690" name="Straight Connector 689"/>
           <p:cNvCxnSpPr/>
           <p:nvPr/>
         </p:nvCxnSpPr>
         <p:spPr>
-          <a:xfrm flipV="1">
-            <a:off x="12954000" y="10668000"/>
-            <a:ext cx="0" cy="609600"/>
-          </a:xfrm>
-          <a:prstGeom prst="line">
-            <a:avLst/>
-          </a:prstGeom>
-          <a:ln w="12700">
-            <a:solidFill>
-              <a:srgbClr val="000000"/>
-            </a:solidFill>
-            <a:headEnd type="none" w="med" len="med"/>
-            <a:tailEnd type="none" w="med" len="med"/>
-          </a:ln>
-        </p:spPr>
-        <p:style>
-          <a:lnRef idx="1">
-            <a:schemeClr val="accent1"/>
-          </a:lnRef>
-          <a:fillRef idx="0">
-            <a:schemeClr val="accent1"/>
-          </a:fillRef>
-          <a:effectRef idx="0">
-            <a:schemeClr val="accent1"/>
-          </a:effectRef>
-          <a:fontRef idx="minor">
-            <a:schemeClr val="tx1"/>
-          </a:fontRef>
-        </p:style>
-      </p:cxnSp>
-      <p:cxnSp>
-        <p:nvCxnSpPr>
-          <p:cNvPr id="604" name="Straight Connector 603"/>
-          <p:cNvCxnSpPr/>
-          <p:nvPr/>
-        </p:nvCxnSpPr>
-        <p:spPr>
-          <a:xfrm flipV="1">
-            <a:off x="12954000" y="9296400"/>
-            <a:ext cx="0" cy="1066800"/>
-          </a:xfrm>
-          <a:prstGeom prst="line">
-            <a:avLst/>
-          </a:prstGeom>
-          <a:ln w="12700">
-            <a:solidFill>
-              <a:srgbClr val="000000"/>
-            </a:solidFill>
-            <a:headEnd type="none" w="med" len="med"/>
-            <a:tailEnd type="none" w="med" len="med"/>
-          </a:ln>
-        </p:spPr>
-        <p:style>
-          <a:lnRef idx="1">
-            <a:schemeClr val="accent1"/>
-          </a:lnRef>
-          <a:fillRef idx="0">
-            <a:schemeClr val="accent1"/>
-          </a:fillRef>
-          <a:effectRef idx="0">
-            <a:schemeClr val="accent1"/>
-          </a:effectRef>
-          <a:fontRef idx="minor">
-            <a:schemeClr val="tx1"/>
-          </a:fontRef>
-        </p:style>
-      </p:cxnSp>
-      <p:cxnSp>
-        <p:nvCxnSpPr>
-          <p:cNvPr id="644" name="Straight Connector 643"/>
-          <p:cNvCxnSpPr/>
-          <p:nvPr/>
-        </p:nvCxnSpPr>
-        <p:spPr>
-          <a:xfrm flipV="1">
-            <a:off x="12954000" y="5867400"/>
-            <a:ext cx="0" cy="3124200"/>
-          </a:xfrm>
-          <a:prstGeom prst="line">
-            <a:avLst/>
-          </a:prstGeom>
-          <a:ln w="12700">
-            <a:solidFill>
-              <a:srgbClr val="000000"/>
-            </a:solidFill>
-            <a:headEnd type="none" w="med" len="med"/>
-            <a:tailEnd type="none" w="med" len="med"/>
-          </a:ln>
-        </p:spPr>
-        <p:style>
-          <a:lnRef idx="1">
-            <a:schemeClr val="accent1"/>
-          </a:lnRef>
-          <a:fillRef idx="0">
-            <a:schemeClr val="accent1"/>
-          </a:fillRef>
-          <a:effectRef idx="0">
-            <a:schemeClr val="accent1"/>
-          </a:effectRef>
-          <a:fontRef idx="minor">
-            <a:schemeClr val="tx1"/>
-          </a:fontRef>
-        </p:style>
-      </p:cxnSp>
-      <p:cxnSp>
-        <p:nvCxnSpPr>
-          <p:cNvPr id="660" name="Straight Connector 659"/>
-          <p:cNvCxnSpPr/>
-          <p:nvPr/>
-        </p:nvCxnSpPr>
-        <p:spPr>
-          <a:xfrm flipV="1">
-            <a:off x="12954000" y="4495800"/>
-            <a:ext cx="0" cy="1066800"/>
-          </a:xfrm>
-          <a:prstGeom prst="line">
-            <a:avLst/>
-          </a:prstGeom>
-          <a:ln w="12700">
-            <a:solidFill>
-              <a:srgbClr val="000000"/>
-            </a:solidFill>
-            <a:headEnd type="none" w="med" len="med"/>
-            <a:tailEnd type="none" w="med" len="med"/>
-          </a:ln>
-        </p:spPr>
-        <p:style>
-          <a:lnRef idx="1">
-            <a:schemeClr val="accent1"/>
-          </a:lnRef>
-          <a:fillRef idx="0">
-            <a:schemeClr val="accent1"/>
-          </a:fillRef>
-          <a:effectRef idx="0">
-            <a:schemeClr val="accent1"/>
-          </a:effectRef>
-          <a:fontRef idx="minor">
-            <a:schemeClr val="tx1"/>
-          </a:fontRef>
-        </p:style>
-      </p:cxnSp>
-      <p:cxnSp>
-        <p:nvCxnSpPr>
-          <p:cNvPr id="661" name="Straight Connector 660"/>
-          <p:cNvCxnSpPr/>
-          <p:nvPr/>
-        </p:nvCxnSpPr>
-        <p:spPr>
-          <a:xfrm flipV="1">
-            <a:off x="12954000" y="2667000"/>
-            <a:ext cx="0" cy="1524000"/>
-          </a:xfrm>
-          <a:prstGeom prst="line">
-            <a:avLst/>
-          </a:prstGeom>
-          <a:ln w="12700">
-            <a:solidFill>
-              <a:srgbClr val="000000"/>
-            </a:solidFill>
-            <a:headEnd type="none" w="med" len="med"/>
-            <a:tailEnd type="none" w="med" len="med"/>
-          </a:ln>
-        </p:spPr>
-        <p:style>
-          <a:lnRef idx="1">
-            <a:schemeClr val="accent1"/>
-          </a:lnRef>
-          <a:fillRef idx="0">
-            <a:schemeClr val="accent1"/>
-          </a:fillRef>
-          <a:effectRef idx="0">
-            <a:schemeClr val="accent1"/>
-          </a:effectRef>
-          <a:fontRef idx="minor">
-            <a:schemeClr val="tx1"/>
-          </a:fontRef>
-        </p:style>
-      </p:cxnSp>
-      <p:cxnSp>
-        <p:nvCxnSpPr>
-          <p:cNvPr id="662" name="Straight Connector 661"/>
-          <p:cNvCxnSpPr/>
-          <p:nvPr/>
-        </p:nvCxnSpPr>
-        <p:spPr>
           <a:xfrm flipH="1" flipV="1">
-            <a:off x="13716000" y="2743200"/>
-            <a:ext cx="152400" cy="76200"/>
-          </a:xfrm>
-          <a:prstGeom prst="line">
-            <a:avLst/>
-          </a:prstGeom>
-          <a:ln w="12700">
-            <a:solidFill>
-              <a:srgbClr val="000000"/>
-            </a:solidFill>
-            <a:headEnd type="none" w="med" len="med"/>
-            <a:tailEnd type="triangle" w="med" len="med"/>
-          </a:ln>
-        </p:spPr>
-        <p:style>
-          <a:lnRef idx="1">
-            <a:schemeClr val="accent1"/>
-          </a:lnRef>
-          <a:fillRef idx="0">
-            <a:schemeClr val="accent1"/>
-          </a:fillRef>
-          <a:effectRef idx="0">
-            <a:schemeClr val="accent1"/>
-          </a:effectRef>
-          <a:fontRef idx="minor">
-            <a:schemeClr val="tx1"/>
-          </a:fontRef>
-        </p:style>
-      </p:cxnSp>
-      <p:sp>
-        <p:nvSpPr>
-          <p:cNvPr id="663" name="Rectangle 662"/>
+            <a:off x="7162801" y="11887173"/>
+            <a:ext cx="76200" cy="76200"/>
+          </a:xfrm>
+          <a:prstGeom prst="line">
+            <a:avLst/>
+          </a:prstGeom>
+          <a:ln w="12700">
+            <a:solidFill>
+              <a:srgbClr val="000000"/>
+            </a:solidFill>
+          </a:ln>
+        </p:spPr>
+        <p:style>
+          <a:lnRef idx="1">
+            <a:schemeClr val="accent1"/>
+          </a:lnRef>
+          <a:fillRef idx="0">
+            <a:schemeClr val="accent1"/>
+          </a:fillRef>
+          <a:effectRef idx="0">
+            <a:schemeClr val="accent1"/>
+          </a:effectRef>
+          <a:fontRef idx="minor">
+            <a:schemeClr val="tx1"/>
+          </a:fontRef>
+        </p:style>
+      </p:cxnSp>
+      <p:sp>
+        <p:nvSpPr>
+          <p:cNvPr id="692" name="Rectangle 691"/>
           <p:cNvSpPr/>
           <p:nvPr/>
         </p:nvSpPr>
         <p:spPr>
           <a:xfrm>
-            <a:off x="13639800" y="2819400"/>
-            <a:ext cx="457200" cy="152400"/>
+            <a:off x="7086600" y="11658580"/>
+            <a:ext cx="152400" cy="152400"/>
           </a:xfrm>
           <a:prstGeom prst="rect">
             <a:avLst/>
@@ -18446,16 +18671,7 @@
           <a:bodyPr wrap="none" lIns="45720" rIns="45720" rtlCol="0" anchor="ctr"/>
           <a:lstStyle/>
           <a:p>
-            <a:r>
-              <a:rPr lang="en-US" sz="900" dirty="0" err="1">
-                <a:solidFill>
-                  <a:srgbClr val="000000"/>
-                </a:solidFill>
-                <a:latin typeface="Courier New" panose="02070309020205020404" pitchFamily="49" charset="0"/>
-                <a:cs typeface="Courier New" panose="02070309020205020404" pitchFamily="49" charset="0"/>
-              </a:rPr>
-              <a:t>rst</a:t>
-            </a:r>
+            <a:pPr algn="ctr"/>
             <a:r>
               <a:rPr lang="en-US" sz="900" dirty="0">
                 <a:solidFill>
@@ -18464,101 +18680,20 @@
                 <a:latin typeface="Courier New" panose="02070309020205020404" pitchFamily="49" charset="0"/>
                 <a:cs typeface="Courier New" panose="02070309020205020404" pitchFamily="49" charset="0"/>
               </a:rPr>
-              <a:t>-&gt;INIT</a:t>
-            </a:r>
-            <a:endParaRPr lang="en-US" sz="900" dirty="0">
-              <a:solidFill>
-                <a:srgbClr val="000000"/>
-              </a:solidFill>
-              <a:latin typeface="Courier New" panose="02070309020205020404" pitchFamily="49" charset="0"/>
-              <a:cs typeface="Courier New" panose="02070309020205020404" pitchFamily="49" charset="0"/>
-            </a:endParaRPr>
-          </a:p>
-        </p:txBody>
-      </p:sp>
-      <p:cxnSp>
-        <p:nvCxnSpPr>
-          <p:cNvPr id="664" name="Straight Connector 663"/>
-          <p:cNvCxnSpPr/>
-          <p:nvPr/>
-        </p:nvCxnSpPr>
-        <p:spPr>
-          <a:xfrm flipV="1">
-            <a:off x="12954000" y="1447800"/>
-            <a:ext cx="0" cy="990600"/>
-          </a:xfrm>
-          <a:prstGeom prst="line">
-            <a:avLst/>
-          </a:prstGeom>
-          <a:ln w="12700">
-            <a:solidFill>
-              <a:srgbClr val="000000"/>
-            </a:solidFill>
-            <a:headEnd type="none" w="med" len="med"/>
-            <a:tailEnd type="none" w="med" len="med"/>
-          </a:ln>
-        </p:spPr>
-        <p:style>
-          <a:lnRef idx="1">
-            <a:schemeClr val="accent1"/>
-          </a:lnRef>
-          <a:fillRef idx="0">
-            <a:schemeClr val="accent1"/>
-          </a:fillRef>
-          <a:effectRef idx="0">
-            <a:schemeClr val="accent1"/>
-          </a:effectRef>
-          <a:fontRef idx="minor">
-            <a:schemeClr val="tx1"/>
-          </a:fontRef>
-        </p:style>
-      </p:cxnSp>
-      <p:cxnSp>
-        <p:nvCxnSpPr>
-          <p:cNvPr id="665" name="Straight Connector 664"/>
-          <p:cNvCxnSpPr/>
-          <p:nvPr/>
-        </p:nvCxnSpPr>
-        <p:spPr>
-          <a:xfrm flipV="1">
-            <a:off x="5715000" y="11201400"/>
-            <a:ext cx="152400" cy="152404"/>
-          </a:xfrm>
-          <a:prstGeom prst="line">
-            <a:avLst/>
-          </a:prstGeom>
-          <a:ln w="12700">
-            <a:solidFill>
-              <a:srgbClr val="000000"/>
-            </a:solidFill>
-            <a:headEnd type="none" w="med" len="med"/>
-            <a:tailEnd type="none" w="med" len="med"/>
-          </a:ln>
-        </p:spPr>
-        <p:style>
-          <a:lnRef idx="1">
-            <a:schemeClr val="accent1"/>
-          </a:lnRef>
-          <a:fillRef idx="0">
-            <a:schemeClr val="accent1"/>
-          </a:fillRef>
-          <a:effectRef idx="0">
-            <a:schemeClr val="accent1"/>
-          </a:effectRef>
-          <a:fontRef idx="minor">
-            <a:schemeClr val="tx1"/>
-          </a:fontRef>
-        </p:style>
-      </p:cxnSp>
-      <p:sp>
-        <p:nvSpPr>
-          <p:cNvPr id="668" name="Rectangle 667"/>
+              <a:t>R</a:t>
+            </a:r>
+          </a:p>
+        </p:txBody>
+      </p:sp>
+      <p:sp>
+        <p:nvSpPr>
+          <p:cNvPr id="693" name="Rectangle 692"/>
           <p:cNvSpPr/>
           <p:nvPr/>
         </p:nvSpPr>
         <p:spPr>
           <a:xfrm>
-            <a:off x="5943600" y="11125200"/>
+            <a:off x="6629400" y="11658600"/>
             <a:ext cx="457200" cy="152400"/>
           </a:xfrm>
           <a:prstGeom prst="rect">
@@ -18597,27 +18732,160 @@
                 <a:latin typeface="Courier New" panose="02070309020205020404" pitchFamily="49" charset="0"/>
                 <a:cs typeface="Courier New" panose="02070309020205020404" pitchFamily="49" charset="0"/>
               </a:rPr>
-              <a:t>CLR</a:t>
-            </a:r>
-            <a:endParaRPr lang="en-US" sz="900" dirty="0">
-              <a:solidFill>
-                <a:srgbClr val="000000"/>
-              </a:solidFill>
-              <a:latin typeface="Courier New" panose="02070309020205020404" pitchFamily="49" charset="0"/>
-              <a:cs typeface="Courier New" panose="02070309020205020404" pitchFamily="49" charset="0"/>
-            </a:endParaRPr>
-          </a:p>
-        </p:txBody>
-      </p:sp>
-      <p:sp>
-        <p:nvSpPr>
-          <p:cNvPr id="670" name="Rectangle 669"/>
+              <a:t>to</a:t>
+            </a:r>
+          </a:p>
+        </p:txBody>
+      </p:sp>
+      <p:sp>
+        <p:nvSpPr>
+          <p:cNvPr id="694" name="Rectangle 693"/>
           <p:cNvSpPr/>
           <p:nvPr/>
         </p:nvSpPr>
         <p:spPr>
           <a:xfrm>
-            <a:off x="5715001" y="11125200"/>
+            <a:off x="7467600" y="11658600"/>
+            <a:ext cx="457200" cy="152400"/>
+          </a:xfrm>
+          <a:prstGeom prst="rect">
+            <a:avLst/>
+          </a:prstGeom>
+          <a:noFill/>
+          <a:ln>
+            <a:noFill/>
+          </a:ln>
+        </p:spPr>
+        <p:style>
+          <a:lnRef idx="2">
+            <a:schemeClr val="accent1">
+              <a:shade val="50000"/>
+            </a:schemeClr>
+          </a:lnRef>
+          <a:fillRef idx="1">
+            <a:schemeClr val="accent1"/>
+          </a:fillRef>
+          <a:effectRef idx="0">
+            <a:schemeClr val="accent1"/>
+          </a:effectRef>
+          <a:fontRef idx="minor">
+            <a:schemeClr val="lt1"/>
+          </a:fontRef>
+        </p:style>
+        <p:txBody>
+          <a:bodyPr wrap="none" lIns="45720" rIns="45720" rtlCol="0" anchor="ctr"/>
+          <a:lstStyle/>
+          <a:p>
+            <a:r>
+              <a:rPr lang="en-US" sz="900" dirty="0">
+                <a:solidFill>
+                  <a:srgbClr val="000000"/>
+                </a:solidFill>
+                <a:latin typeface="Courier New" panose="02070309020205020404" pitchFamily="49" charset="0"/>
+                <a:cs typeface="Courier New" panose="02070309020205020404" pitchFamily="49" charset="0"/>
+              </a:rPr>
+              <a:t>as high active clock</a:t>
+            </a:r>
+          </a:p>
+        </p:txBody>
+      </p:sp>
+      <p:sp>
+        <p:nvSpPr>
+          <p:cNvPr id="695" name="Pentagon 694"/>
+          <p:cNvSpPr/>
+          <p:nvPr/>
+        </p:nvSpPr>
+        <p:spPr>
+          <a:xfrm>
+            <a:off x="5410200" y="12115807"/>
+            <a:ext cx="228600" cy="152400"/>
+          </a:xfrm>
+          <a:prstGeom prst="homePlate">
+            <a:avLst/>
+          </a:prstGeom>
+          <a:noFill/>
+          <a:ln w="12700">
+            <a:solidFill>
+              <a:schemeClr val="tx1"/>
+            </a:solidFill>
+          </a:ln>
+        </p:spPr>
+        <p:style>
+          <a:lnRef idx="2">
+            <a:schemeClr val="accent1">
+              <a:shade val="50000"/>
+            </a:schemeClr>
+          </a:lnRef>
+          <a:fillRef idx="1">
+            <a:schemeClr val="accent1"/>
+          </a:fillRef>
+          <a:effectRef idx="0">
+            <a:schemeClr val="accent1"/>
+          </a:effectRef>
+          <a:fontRef idx="minor">
+            <a:schemeClr val="lt1"/>
+          </a:fontRef>
+        </p:style>
+        <p:txBody>
+          <a:bodyPr rot="0" spcFirstLastPara="0" vertOverflow="overflow" horzOverflow="overflow" vert="horz" wrap="square" lIns="91440" tIns="45720" rIns="91440" bIns="45720" numCol="1" spcCol="0" rtlCol="0" fromWordArt="0" anchor="ctr" anchorCtr="0" forceAA="0" compatLnSpc="1">
+            <a:prstTxWarp prst="textNoShape">
+              <a:avLst/>
+            </a:prstTxWarp>
+            <a:noAutofit/>
+          </a:bodyPr>
+          <a:lstStyle/>
+          <a:p>
+            <a:pPr algn="ctr"/>
+            <a:endParaRPr lang="en-US" sz="3730"/>
+          </a:p>
+        </p:txBody>
+      </p:sp>
+      <p:cxnSp>
+        <p:nvCxnSpPr>
+          <p:cNvPr id="696" name="Straight Connector 695"/>
+          <p:cNvCxnSpPr/>
+          <p:nvPr/>
+        </p:nvCxnSpPr>
+        <p:spPr>
+          <a:xfrm flipV="1">
+            <a:off x="5715000" y="12115807"/>
+            <a:ext cx="152400" cy="152400"/>
+          </a:xfrm>
+          <a:prstGeom prst="line">
+            <a:avLst/>
+          </a:prstGeom>
+          <a:ln w="12700">
+            <a:solidFill>
+              <a:srgbClr val="000000"/>
+            </a:solidFill>
+            <a:headEnd type="none" w="med" len="med"/>
+            <a:tailEnd type="none" w="med" len="med"/>
+          </a:ln>
+        </p:spPr>
+        <p:style>
+          <a:lnRef idx="1">
+            <a:schemeClr val="accent1"/>
+          </a:lnRef>
+          <a:fillRef idx="0">
+            <a:schemeClr val="accent1"/>
+          </a:fillRef>
+          <a:effectRef idx="0">
+            <a:schemeClr val="accent1"/>
+          </a:effectRef>
+          <a:fontRef idx="minor">
+            <a:schemeClr val="tx1"/>
+          </a:fontRef>
+        </p:style>
+      </p:cxnSp>
+      <p:sp>
+        <p:nvSpPr>
+          <p:cNvPr id="697" name="Rectangle 696"/>
+          <p:cNvSpPr/>
+          <p:nvPr/>
+        </p:nvSpPr>
+        <p:spPr>
+          <a:xfrm>
+            <a:off x="5715000" y="12039607"/>
             <a:ext cx="152400" cy="76200"/>
           </a:xfrm>
           <a:prstGeom prst="rect">
@@ -18662,733 +18930,6 @@
           </a:p>
         </p:txBody>
       </p:sp>
-      <p:cxnSp>
-        <p:nvCxnSpPr>
-          <p:cNvPr id="671" name="Straight Connector 670"/>
-          <p:cNvCxnSpPr/>
-          <p:nvPr/>
-        </p:nvCxnSpPr>
-        <p:spPr>
-          <a:xfrm flipH="1">
-            <a:off x="6248400" y="1905000"/>
-            <a:ext cx="8458200" cy="0"/>
-          </a:xfrm>
-          <a:prstGeom prst="line">
-            <a:avLst/>
-          </a:prstGeom>
-          <a:ln w="12700">
-            <a:solidFill>
-              <a:srgbClr val="000000"/>
-            </a:solidFill>
-            <a:headEnd type="none" w="med" len="med"/>
-            <a:tailEnd type="triangle" w="med" len="med"/>
-          </a:ln>
-        </p:spPr>
-        <p:style>
-          <a:lnRef idx="1">
-            <a:schemeClr val="accent1"/>
-          </a:lnRef>
-          <a:fillRef idx="0">
-            <a:schemeClr val="accent1"/>
-          </a:fillRef>
-          <a:effectRef idx="0">
-            <a:schemeClr val="accent1"/>
-          </a:effectRef>
-          <a:fontRef idx="minor">
-            <a:schemeClr val="tx1"/>
-          </a:fontRef>
-        </p:style>
-      </p:cxnSp>
-      <p:cxnSp>
-        <p:nvCxnSpPr>
-          <p:cNvPr id="673" name="Straight Connector 672"/>
-          <p:cNvCxnSpPr/>
-          <p:nvPr/>
-        </p:nvCxnSpPr>
-        <p:spPr>
-          <a:xfrm flipH="1">
-            <a:off x="13639800" y="4343400"/>
-            <a:ext cx="1066800" cy="0"/>
-          </a:xfrm>
-          <a:prstGeom prst="line">
-            <a:avLst/>
-          </a:prstGeom>
-          <a:ln w="12700">
-            <a:solidFill>
-              <a:srgbClr val="000000"/>
-            </a:solidFill>
-            <a:headEnd type="oval" w="med" len="med"/>
-            <a:tailEnd type="none" w="med" len="med"/>
-          </a:ln>
-        </p:spPr>
-        <p:style>
-          <a:lnRef idx="1">
-            <a:schemeClr val="accent1"/>
-          </a:lnRef>
-          <a:fillRef idx="0">
-            <a:schemeClr val="accent1"/>
-          </a:fillRef>
-          <a:effectRef idx="0">
-            <a:schemeClr val="accent1"/>
-          </a:effectRef>
-          <a:fontRef idx="minor">
-            <a:schemeClr val="tx1"/>
-          </a:fontRef>
-        </p:style>
-      </p:cxnSp>
-      <p:sp>
-        <p:nvSpPr>
-          <p:cNvPr id="675" name="Pentagon 674"/>
-          <p:cNvSpPr/>
-          <p:nvPr/>
-        </p:nvSpPr>
-        <p:spPr>
-          <a:xfrm>
-            <a:off x="5410200" y="11658600"/>
-            <a:ext cx="228600" cy="152400"/>
-          </a:xfrm>
-          <a:prstGeom prst="homePlate">
-            <a:avLst/>
-          </a:prstGeom>
-          <a:noFill/>
-          <a:ln w="12700">
-            <a:solidFill>
-              <a:schemeClr val="tx1"/>
-            </a:solidFill>
-          </a:ln>
-        </p:spPr>
-        <p:style>
-          <a:lnRef idx="2">
-            <a:schemeClr val="accent1">
-              <a:shade val="50000"/>
-            </a:schemeClr>
-          </a:lnRef>
-          <a:fillRef idx="1">
-            <a:schemeClr val="accent1"/>
-          </a:fillRef>
-          <a:effectRef idx="0">
-            <a:schemeClr val="accent1"/>
-          </a:effectRef>
-          <a:fontRef idx="minor">
-            <a:schemeClr val="lt1"/>
-          </a:fontRef>
-        </p:style>
-        <p:txBody>
-          <a:bodyPr rot="0" spcFirstLastPara="0" vertOverflow="overflow" horzOverflow="overflow" vert="horz" wrap="square" lIns="91440" tIns="45720" rIns="91440" bIns="45720" numCol="1" spcCol="0" rtlCol="0" fromWordArt="0" anchor="ctr" anchorCtr="0" forceAA="0" compatLnSpc="1">
-            <a:prstTxWarp prst="textNoShape">
-              <a:avLst/>
-            </a:prstTxWarp>
-            <a:noAutofit/>
-          </a:bodyPr>
-          <a:lstStyle/>
-          <a:p>
-            <a:pPr algn="ctr"/>
-            <a:endParaRPr lang="en-US" sz="3730"/>
-          </a:p>
-        </p:txBody>
-      </p:sp>
-      <p:cxnSp>
-        <p:nvCxnSpPr>
-          <p:cNvPr id="677" name="Straight Connector 676"/>
-          <p:cNvCxnSpPr/>
-          <p:nvPr/>
-        </p:nvCxnSpPr>
-        <p:spPr>
-          <a:xfrm flipV="1">
-            <a:off x="5715000" y="11658600"/>
-            <a:ext cx="152400" cy="152400"/>
-          </a:xfrm>
-          <a:prstGeom prst="line">
-            <a:avLst/>
-          </a:prstGeom>
-          <a:ln w="12700">
-            <a:solidFill>
-              <a:srgbClr val="000000"/>
-            </a:solidFill>
-            <a:headEnd type="none" w="med" len="med"/>
-            <a:tailEnd type="none" w="med" len="med"/>
-          </a:ln>
-        </p:spPr>
-        <p:style>
-          <a:lnRef idx="1">
-            <a:schemeClr val="accent1"/>
-          </a:lnRef>
-          <a:fillRef idx="0">
-            <a:schemeClr val="accent1"/>
-          </a:fillRef>
-          <a:effectRef idx="0">
-            <a:schemeClr val="accent1"/>
-          </a:effectRef>
-          <a:fontRef idx="minor">
-            <a:schemeClr val="tx1"/>
-          </a:fontRef>
-        </p:style>
-      </p:cxnSp>
-      <p:sp>
-        <p:nvSpPr>
-          <p:cNvPr id="678" name="Rectangle 677"/>
-          <p:cNvSpPr/>
-          <p:nvPr/>
-        </p:nvSpPr>
-        <p:spPr>
-          <a:xfrm>
-            <a:off x="5715000" y="11582400"/>
-            <a:ext cx="152400" cy="76200"/>
-          </a:xfrm>
-          <a:prstGeom prst="rect">
-            <a:avLst/>
-          </a:prstGeom>
-          <a:noFill/>
-          <a:ln>
-            <a:noFill/>
-          </a:ln>
-        </p:spPr>
-        <p:style>
-          <a:lnRef idx="2">
-            <a:schemeClr val="accent1">
-              <a:shade val="50000"/>
-            </a:schemeClr>
-          </a:lnRef>
-          <a:fillRef idx="1">
-            <a:schemeClr val="accent1"/>
-          </a:fillRef>
-          <a:effectRef idx="0">
-            <a:schemeClr val="accent1"/>
-          </a:effectRef>
-          <a:fontRef idx="minor">
-            <a:schemeClr val="lt1"/>
-          </a:fontRef>
-        </p:style>
-        <p:txBody>
-          <a:bodyPr wrap="none" lIns="45720" rIns="45720" rtlCol="0" anchor="ctr"/>
-          <a:lstStyle/>
-          <a:p>
-            <a:pPr algn="ctr"/>
-            <a:r>
-              <a:rPr lang="en-US" sz="900" dirty="0">
-                <a:solidFill>
-                  <a:srgbClr val="000000"/>
-                </a:solidFill>
-                <a:latin typeface="Courier New" panose="02070309020205020404" pitchFamily="49" charset="0"/>
-                <a:cs typeface="Courier New" panose="02070309020205020404" pitchFamily="49" charset="0"/>
-              </a:rPr>
-              <a:t>1</a:t>
-            </a:r>
-          </a:p>
-        </p:txBody>
-      </p:sp>
-      <p:sp>
-        <p:nvSpPr>
-          <p:cNvPr id="680" name="Rectangle 679"/>
-          <p:cNvSpPr/>
-          <p:nvPr/>
-        </p:nvSpPr>
-        <p:spPr>
-          <a:xfrm>
-            <a:off x="5943600" y="11582400"/>
-            <a:ext cx="457200" cy="152400"/>
-          </a:xfrm>
-          <a:prstGeom prst="rect">
-            <a:avLst/>
-          </a:prstGeom>
-          <a:noFill/>
-          <a:ln>
-            <a:noFill/>
-          </a:ln>
-        </p:spPr>
-        <p:style>
-          <a:lnRef idx="2">
-            <a:schemeClr val="accent1">
-              <a:shade val="50000"/>
-            </a:schemeClr>
-          </a:lnRef>
-          <a:fillRef idx="1">
-            <a:schemeClr val="accent1"/>
-          </a:fillRef>
-          <a:effectRef idx="0">
-            <a:schemeClr val="accent1"/>
-          </a:effectRef>
-          <a:fontRef idx="minor">
-            <a:schemeClr val="lt1"/>
-          </a:fontRef>
-        </p:style>
-        <p:txBody>
-          <a:bodyPr wrap="none" lIns="45720" rIns="45720" rtlCol="0" anchor="ctr"/>
-          <a:lstStyle/>
-          <a:p>
-            <a:r>
-              <a:rPr lang="en-US" sz="900" dirty="0">
-                <a:solidFill>
-                  <a:srgbClr val="000000"/>
-                </a:solidFill>
-                <a:latin typeface="Courier New" panose="02070309020205020404" pitchFamily="49" charset="0"/>
-                <a:cs typeface="Courier New" panose="02070309020205020404" pitchFamily="49" charset="0"/>
-              </a:rPr>
-              <a:t>CLK</a:t>
-            </a:r>
-            <a:endParaRPr lang="en-US" sz="900" dirty="0">
-              <a:solidFill>
-                <a:srgbClr val="000000"/>
-              </a:solidFill>
-              <a:latin typeface="Courier New" panose="02070309020205020404" pitchFamily="49" charset="0"/>
-              <a:cs typeface="Courier New" panose="02070309020205020404" pitchFamily="49" charset="0"/>
-            </a:endParaRPr>
-          </a:p>
-        </p:txBody>
-      </p:sp>
-      <p:cxnSp>
-        <p:nvCxnSpPr>
-          <p:cNvPr id="682" name="Straight Connector 681"/>
-          <p:cNvCxnSpPr>
-            <a:stCxn id="675" idx="3"/>
-          </p:cNvCxnSpPr>
-          <p:nvPr/>
-        </p:nvCxnSpPr>
-        <p:spPr>
-          <a:xfrm>
-            <a:off x="5638800" y="11734800"/>
-            <a:ext cx="914400" cy="0"/>
-          </a:xfrm>
-          <a:prstGeom prst="line">
-            <a:avLst/>
-          </a:prstGeom>
-          <a:ln w="12700">
-            <a:solidFill>
-              <a:srgbClr val="000000"/>
-            </a:solidFill>
-            <a:headEnd type="none" w="med" len="med"/>
-            <a:tailEnd type="triangle" w="med" len="med"/>
-          </a:ln>
-        </p:spPr>
-        <p:style>
-          <a:lnRef idx="1">
-            <a:schemeClr val="accent1"/>
-          </a:lnRef>
-          <a:fillRef idx="0">
-            <a:schemeClr val="accent1"/>
-          </a:fillRef>
-          <a:effectRef idx="0">
-            <a:schemeClr val="accent1"/>
-          </a:effectRef>
-          <a:fontRef idx="minor">
-            <a:schemeClr val="tx1"/>
-          </a:fontRef>
-        </p:style>
-      </p:cxnSp>
-      <p:sp>
-        <p:nvSpPr>
-          <p:cNvPr id="683" name="Rectangle 682"/>
-          <p:cNvSpPr/>
-          <p:nvPr/>
-        </p:nvSpPr>
-        <p:spPr>
-          <a:xfrm>
-            <a:off x="7010400" y="11658622"/>
-            <a:ext cx="304800" cy="304793"/>
-          </a:xfrm>
-          <a:prstGeom prst="rect">
-            <a:avLst/>
-          </a:prstGeom>
-          <a:noFill/>
-          <a:ln w="12700">
-            <a:solidFill>
-              <a:srgbClr val="000000"/>
-            </a:solidFill>
-          </a:ln>
-        </p:spPr>
-        <p:style>
-          <a:lnRef idx="2">
-            <a:schemeClr val="accent1">
-              <a:shade val="50000"/>
-            </a:schemeClr>
-          </a:lnRef>
-          <a:fillRef idx="1">
-            <a:schemeClr val="accent1"/>
-          </a:fillRef>
-          <a:effectRef idx="0">
-            <a:schemeClr val="accent1"/>
-          </a:effectRef>
-          <a:fontRef idx="minor">
-            <a:schemeClr val="lt1"/>
-          </a:fontRef>
-        </p:style>
-        <p:txBody>
-          <a:bodyPr rtlCol="0" anchor="ctr"/>
-          <a:lstStyle/>
-          <a:p>
-            <a:pPr algn="ctr"/>
-            <a:endParaRPr lang="en-US" sz="3730"/>
-          </a:p>
-        </p:txBody>
-      </p:sp>
-      <p:cxnSp>
-        <p:nvCxnSpPr>
-          <p:cNvPr id="687" name="Straight Connector 686"/>
-          <p:cNvCxnSpPr/>
-          <p:nvPr/>
-        </p:nvCxnSpPr>
-        <p:spPr>
-          <a:xfrm flipV="1">
-            <a:off x="7086601" y="11887173"/>
-            <a:ext cx="76200" cy="76200"/>
-          </a:xfrm>
-          <a:prstGeom prst="line">
-            <a:avLst/>
-          </a:prstGeom>
-          <a:ln w="12700">
-            <a:solidFill>
-              <a:srgbClr val="000000"/>
-            </a:solidFill>
-          </a:ln>
-        </p:spPr>
-        <p:style>
-          <a:lnRef idx="1">
-            <a:schemeClr val="accent1"/>
-          </a:lnRef>
-          <a:fillRef idx="0">
-            <a:schemeClr val="accent1"/>
-          </a:fillRef>
-          <a:effectRef idx="0">
-            <a:schemeClr val="accent1"/>
-          </a:effectRef>
-          <a:fontRef idx="minor">
-            <a:schemeClr val="tx1"/>
-          </a:fontRef>
-        </p:style>
-      </p:cxnSp>
-      <p:cxnSp>
-        <p:nvCxnSpPr>
-          <p:cNvPr id="690" name="Straight Connector 689"/>
-          <p:cNvCxnSpPr/>
-          <p:nvPr/>
-        </p:nvCxnSpPr>
-        <p:spPr>
-          <a:xfrm flipH="1" flipV="1">
-            <a:off x="7162801" y="11887173"/>
-            <a:ext cx="76200" cy="76200"/>
-          </a:xfrm>
-          <a:prstGeom prst="line">
-            <a:avLst/>
-          </a:prstGeom>
-          <a:ln w="12700">
-            <a:solidFill>
-              <a:srgbClr val="000000"/>
-            </a:solidFill>
-          </a:ln>
-        </p:spPr>
-        <p:style>
-          <a:lnRef idx="1">
-            <a:schemeClr val="accent1"/>
-          </a:lnRef>
-          <a:fillRef idx="0">
-            <a:schemeClr val="accent1"/>
-          </a:fillRef>
-          <a:effectRef idx="0">
-            <a:schemeClr val="accent1"/>
-          </a:effectRef>
-          <a:fontRef idx="minor">
-            <a:schemeClr val="tx1"/>
-          </a:fontRef>
-        </p:style>
-      </p:cxnSp>
-      <p:sp>
-        <p:nvSpPr>
-          <p:cNvPr id="692" name="Rectangle 691"/>
-          <p:cNvSpPr/>
-          <p:nvPr/>
-        </p:nvSpPr>
-        <p:spPr>
-          <a:xfrm>
-            <a:off x="7086600" y="11658580"/>
-            <a:ext cx="152400" cy="152400"/>
-          </a:xfrm>
-          <a:prstGeom prst="rect">
-            <a:avLst/>
-          </a:prstGeom>
-          <a:noFill/>
-          <a:ln>
-            <a:noFill/>
-          </a:ln>
-        </p:spPr>
-        <p:style>
-          <a:lnRef idx="2">
-            <a:schemeClr val="accent1">
-              <a:shade val="50000"/>
-            </a:schemeClr>
-          </a:lnRef>
-          <a:fillRef idx="1">
-            <a:schemeClr val="accent1"/>
-          </a:fillRef>
-          <a:effectRef idx="0">
-            <a:schemeClr val="accent1"/>
-          </a:effectRef>
-          <a:fontRef idx="minor">
-            <a:schemeClr val="lt1"/>
-          </a:fontRef>
-        </p:style>
-        <p:txBody>
-          <a:bodyPr wrap="none" lIns="45720" rIns="45720" rtlCol="0" anchor="ctr"/>
-          <a:lstStyle/>
-          <a:p>
-            <a:pPr algn="ctr"/>
-            <a:r>
-              <a:rPr lang="en-US" sz="900" dirty="0">
-                <a:solidFill>
-                  <a:srgbClr val="000000"/>
-                </a:solidFill>
-                <a:latin typeface="Courier New" panose="02070309020205020404" pitchFamily="49" charset="0"/>
-                <a:cs typeface="Courier New" panose="02070309020205020404" pitchFamily="49" charset="0"/>
-              </a:rPr>
-              <a:t>R</a:t>
-            </a:r>
-          </a:p>
-        </p:txBody>
-      </p:sp>
-      <p:sp>
-        <p:nvSpPr>
-          <p:cNvPr id="693" name="Rectangle 692"/>
-          <p:cNvSpPr/>
-          <p:nvPr/>
-        </p:nvSpPr>
-        <p:spPr>
-          <a:xfrm>
-            <a:off x="6629400" y="11658600"/>
-            <a:ext cx="457200" cy="152400"/>
-          </a:xfrm>
-          <a:prstGeom prst="rect">
-            <a:avLst/>
-          </a:prstGeom>
-          <a:noFill/>
-          <a:ln>
-            <a:noFill/>
-          </a:ln>
-        </p:spPr>
-        <p:style>
-          <a:lnRef idx="2">
-            <a:schemeClr val="accent1">
-              <a:shade val="50000"/>
-            </a:schemeClr>
-          </a:lnRef>
-          <a:fillRef idx="1">
-            <a:schemeClr val="accent1"/>
-          </a:fillRef>
-          <a:effectRef idx="0">
-            <a:schemeClr val="accent1"/>
-          </a:effectRef>
-          <a:fontRef idx="minor">
-            <a:schemeClr val="lt1"/>
-          </a:fontRef>
-        </p:style>
-        <p:txBody>
-          <a:bodyPr wrap="none" lIns="45720" rIns="45720" rtlCol="0" anchor="ctr"/>
-          <a:lstStyle/>
-          <a:p>
-            <a:r>
-              <a:rPr lang="en-US" sz="900" dirty="0">
-                <a:solidFill>
-                  <a:srgbClr val="000000"/>
-                </a:solidFill>
-                <a:latin typeface="Courier New" panose="02070309020205020404" pitchFamily="49" charset="0"/>
-                <a:cs typeface="Courier New" panose="02070309020205020404" pitchFamily="49" charset="0"/>
-              </a:rPr>
-              <a:t>to</a:t>
-            </a:r>
-          </a:p>
-        </p:txBody>
-      </p:sp>
-      <p:sp>
-        <p:nvSpPr>
-          <p:cNvPr id="694" name="Rectangle 693"/>
-          <p:cNvSpPr/>
-          <p:nvPr/>
-        </p:nvSpPr>
-        <p:spPr>
-          <a:xfrm>
-            <a:off x="7467600" y="11658600"/>
-            <a:ext cx="457200" cy="152400"/>
-          </a:xfrm>
-          <a:prstGeom prst="rect">
-            <a:avLst/>
-          </a:prstGeom>
-          <a:noFill/>
-          <a:ln>
-            <a:noFill/>
-          </a:ln>
-        </p:spPr>
-        <p:style>
-          <a:lnRef idx="2">
-            <a:schemeClr val="accent1">
-              <a:shade val="50000"/>
-            </a:schemeClr>
-          </a:lnRef>
-          <a:fillRef idx="1">
-            <a:schemeClr val="accent1"/>
-          </a:fillRef>
-          <a:effectRef idx="0">
-            <a:schemeClr val="accent1"/>
-          </a:effectRef>
-          <a:fontRef idx="minor">
-            <a:schemeClr val="lt1"/>
-          </a:fontRef>
-        </p:style>
-        <p:txBody>
-          <a:bodyPr wrap="none" lIns="45720" rIns="45720" rtlCol="0" anchor="ctr"/>
-          <a:lstStyle/>
-          <a:p>
-            <a:r>
-              <a:rPr lang="en-US" sz="900" dirty="0">
-                <a:solidFill>
-                  <a:srgbClr val="000000"/>
-                </a:solidFill>
-                <a:latin typeface="Courier New" panose="02070309020205020404" pitchFamily="49" charset="0"/>
-                <a:cs typeface="Courier New" panose="02070309020205020404" pitchFamily="49" charset="0"/>
-              </a:rPr>
-              <a:t>as high active clock</a:t>
-            </a:r>
-          </a:p>
-        </p:txBody>
-      </p:sp>
-      <p:sp>
-        <p:nvSpPr>
-          <p:cNvPr id="695" name="Pentagon 694"/>
-          <p:cNvSpPr/>
-          <p:nvPr/>
-        </p:nvSpPr>
-        <p:spPr>
-          <a:xfrm>
-            <a:off x="5410200" y="12115807"/>
-            <a:ext cx="228600" cy="152400"/>
-          </a:xfrm>
-          <a:prstGeom prst="homePlate">
-            <a:avLst/>
-          </a:prstGeom>
-          <a:noFill/>
-          <a:ln w="12700">
-            <a:solidFill>
-              <a:schemeClr val="tx1"/>
-            </a:solidFill>
-          </a:ln>
-        </p:spPr>
-        <p:style>
-          <a:lnRef idx="2">
-            <a:schemeClr val="accent1">
-              <a:shade val="50000"/>
-            </a:schemeClr>
-          </a:lnRef>
-          <a:fillRef idx="1">
-            <a:schemeClr val="accent1"/>
-          </a:fillRef>
-          <a:effectRef idx="0">
-            <a:schemeClr val="accent1"/>
-          </a:effectRef>
-          <a:fontRef idx="minor">
-            <a:schemeClr val="lt1"/>
-          </a:fontRef>
-        </p:style>
-        <p:txBody>
-          <a:bodyPr rot="0" spcFirstLastPara="0" vertOverflow="overflow" horzOverflow="overflow" vert="horz" wrap="square" lIns="91440" tIns="45720" rIns="91440" bIns="45720" numCol="1" spcCol="0" rtlCol="0" fromWordArt="0" anchor="ctr" anchorCtr="0" forceAA="0" compatLnSpc="1">
-            <a:prstTxWarp prst="textNoShape">
-              <a:avLst/>
-            </a:prstTxWarp>
-            <a:noAutofit/>
-          </a:bodyPr>
-          <a:lstStyle/>
-          <a:p>
-            <a:pPr algn="ctr"/>
-            <a:endParaRPr lang="en-US" sz="3730"/>
-          </a:p>
-        </p:txBody>
-      </p:sp>
-      <p:cxnSp>
-        <p:nvCxnSpPr>
-          <p:cNvPr id="696" name="Straight Connector 695"/>
-          <p:cNvCxnSpPr/>
-          <p:nvPr/>
-        </p:nvCxnSpPr>
-        <p:spPr>
-          <a:xfrm flipV="1">
-            <a:off x="5715000" y="12115807"/>
-            <a:ext cx="152400" cy="152400"/>
-          </a:xfrm>
-          <a:prstGeom prst="line">
-            <a:avLst/>
-          </a:prstGeom>
-          <a:ln w="12700">
-            <a:solidFill>
-              <a:srgbClr val="000000"/>
-            </a:solidFill>
-            <a:headEnd type="none" w="med" len="med"/>
-            <a:tailEnd type="none" w="med" len="med"/>
-          </a:ln>
-        </p:spPr>
-        <p:style>
-          <a:lnRef idx="1">
-            <a:schemeClr val="accent1"/>
-          </a:lnRef>
-          <a:fillRef idx="0">
-            <a:schemeClr val="accent1"/>
-          </a:fillRef>
-          <a:effectRef idx="0">
-            <a:schemeClr val="accent1"/>
-          </a:effectRef>
-          <a:fontRef idx="minor">
-            <a:schemeClr val="tx1"/>
-          </a:fontRef>
-        </p:style>
-      </p:cxnSp>
-      <p:sp>
-        <p:nvSpPr>
-          <p:cNvPr id="697" name="Rectangle 696"/>
-          <p:cNvSpPr/>
-          <p:nvPr/>
-        </p:nvSpPr>
-        <p:spPr>
-          <a:xfrm>
-            <a:off x="5715000" y="12039607"/>
-            <a:ext cx="152400" cy="76200"/>
-          </a:xfrm>
-          <a:prstGeom prst="rect">
-            <a:avLst/>
-          </a:prstGeom>
-          <a:noFill/>
-          <a:ln>
-            <a:noFill/>
-          </a:ln>
-        </p:spPr>
-        <p:style>
-          <a:lnRef idx="2">
-            <a:schemeClr val="accent1">
-              <a:shade val="50000"/>
-            </a:schemeClr>
-          </a:lnRef>
-          <a:fillRef idx="1">
-            <a:schemeClr val="accent1"/>
-          </a:fillRef>
-          <a:effectRef idx="0">
-            <a:schemeClr val="accent1"/>
-          </a:effectRef>
-          <a:fontRef idx="minor">
-            <a:schemeClr val="lt1"/>
-          </a:fontRef>
-        </p:style>
-        <p:txBody>
-          <a:bodyPr wrap="none" lIns="45720" rIns="45720" rtlCol="0" anchor="ctr"/>
-          <a:lstStyle/>
-          <a:p>
-            <a:pPr algn="ctr"/>
-            <a:r>
-              <a:rPr lang="en-US" sz="900" dirty="0">
-                <a:solidFill>
-                  <a:srgbClr val="000000"/>
-                </a:solidFill>
-                <a:latin typeface="Courier New" panose="02070309020205020404" pitchFamily="49" charset="0"/>
-                <a:cs typeface="Courier New" panose="02070309020205020404" pitchFamily="49" charset="0"/>
-              </a:rPr>
-              <a:t>1</a:t>
-            </a:r>
-          </a:p>
-        </p:txBody>
-      </p:sp>
       <p:sp>
         <p:nvSpPr>
           <p:cNvPr id="698" name="Rectangle 697"/>
@@ -19438,13 +18979,6 @@
               </a:rPr>
               <a:t>RSTX</a:t>
             </a:r>
-            <a:endParaRPr lang="en-US" sz="900" dirty="0">
-              <a:solidFill>
-                <a:srgbClr val="000000"/>
-              </a:solidFill>
-              <a:latin typeface="Courier New" panose="02070309020205020404" pitchFamily="49" charset="0"/>
-              <a:cs typeface="Courier New" panose="02070309020205020404" pitchFamily="49" charset="0"/>
-            </a:endParaRPr>
           </a:p>
         </p:txBody>
       </p:sp>

--- a/0050_parallel/rtl/schematic/parallel_send.pptx
+++ b/0050_parallel/rtl/schematic/parallel_send.pptx
@@ -197,7 +197,7 @@
           <a:p>
             <a:fld id="{B9E5BF02-4A65-43B2-AA51-912306618617}" type="datetimeFigureOut">
               <a:rPr lang="en-US" smtClean="0"/>
-              <a:t>9/20/2017</a:t>
+              <a:t>9/21/2017</a:t>
             </a:fld>
             <a:endParaRPr lang="en-US"/>
           </a:p>
@@ -685,7 +685,7 @@
           <a:p>
             <a:fld id="{F8F920B2-3E99-4C9D-9450-62A3DEC5476B}" type="datetimeFigureOut">
               <a:rPr lang="en-US" smtClean="0"/>
-              <a:t>9/20/2017</a:t>
+              <a:t>9/21/2017</a:t>
             </a:fld>
             <a:endParaRPr lang="en-US"/>
           </a:p>
@@ -855,7 +855,7 @@
           <a:p>
             <a:fld id="{F8F920B2-3E99-4C9D-9450-62A3DEC5476B}" type="datetimeFigureOut">
               <a:rPr lang="en-US" smtClean="0"/>
-              <a:t>9/20/2017</a:t>
+              <a:t>9/21/2017</a:t>
             </a:fld>
             <a:endParaRPr lang="en-US"/>
           </a:p>
@@ -1035,7 +1035,7 @@
           <a:p>
             <a:fld id="{F8F920B2-3E99-4C9D-9450-62A3DEC5476B}" type="datetimeFigureOut">
               <a:rPr lang="en-US" smtClean="0"/>
-              <a:t>9/20/2017</a:t>
+              <a:t>9/21/2017</a:t>
             </a:fld>
             <a:endParaRPr lang="en-US"/>
           </a:p>
@@ -1205,7 +1205,7 @@
           <a:p>
             <a:fld id="{F8F920B2-3E99-4C9D-9450-62A3DEC5476B}" type="datetimeFigureOut">
               <a:rPr lang="en-US" smtClean="0"/>
-              <a:t>9/20/2017</a:t>
+              <a:t>9/21/2017</a:t>
             </a:fld>
             <a:endParaRPr lang="en-US"/>
           </a:p>
@@ -1449,7 +1449,7 @@
           <a:p>
             <a:fld id="{F8F920B2-3E99-4C9D-9450-62A3DEC5476B}" type="datetimeFigureOut">
               <a:rPr lang="en-US" smtClean="0"/>
-              <a:t>9/20/2017</a:t>
+              <a:t>9/21/2017</a:t>
             </a:fld>
             <a:endParaRPr lang="en-US"/>
           </a:p>
@@ -1681,7 +1681,7 @@
           <a:p>
             <a:fld id="{F8F920B2-3E99-4C9D-9450-62A3DEC5476B}" type="datetimeFigureOut">
               <a:rPr lang="en-US" smtClean="0"/>
-              <a:t>9/20/2017</a:t>
+              <a:t>9/21/2017</a:t>
             </a:fld>
             <a:endParaRPr lang="en-US"/>
           </a:p>
@@ -2048,7 +2048,7 @@
           <a:p>
             <a:fld id="{F8F920B2-3E99-4C9D-9450-62A3DEC5476B}" type="datetimeFigureOut">
               <a:rPr lang="en-US" smtClean="0"/>
-              <a:t>9/20/2017</a:t>
+              <a:t>9/21/2017</a:t>
             </a:fld>
             <a:endParaRPr lang="en-US"/>
           </a:p>
@@ -2166,7 +2166,7 @@
           <a:p>
             <a:fld id="{F8F920B2-3E99-4C9D-9450-62A3DEC5476B}" type="datetimeFigureOut">
               <a:rPr lang="en-US" smtClean="0"/>
-              <a:t>9/20/2017</a:t>
+              <a:t>9/21/2017</a:t>
             </a:fld>
             <a:endParaRPr lang="en-US"/>
           </a:p>
@@ -2261,7 +2261,7 @@
           <a:p>
             <a:fld id="{F8F920B2-3E99-4C9D-9450-62A3DEC5476B}" type="datetimeFigureOut">
               <a:rPr lang="en-US" smtClean="0"/>
-              <a:t>9/20/2017</a:t>
+              <a:t>9/21/2017</a:t>
             </a:fld>
             <a:endParaRPr lang="en-US"/>
           </a:p>
@@ -2538,7 +2538,7 @@
           <a:p>
             <a:fld id="{F8F920B2-3E99-4C9D-9450-62A3DEC5476B}" type="datetimeFigureOut">
               <a:rPr lang="en-US" smtClean="0"/>
-              <a:t>9/20/2017</a:t>
+              <a:t>9/21/2017</a:t>
             </a:fld>
             <a:endParaRPr lang="en-US"/>
           </a:p>
@@ -2795,7 +2795,7 @@
           <a:p>
             <a:fld id="{F8F920B2-3E99-4C9D-9450-62A3DEC5476B}" type="datetimeFigureOut">
               <a:rPr lang="en-US" smtClean="0"/>
-              <a:t>9/20/2017</a:t>
+              <a:t>9/21/2017</a:t>
             </a:fld>
             <a:endParaRPr lang="en-US"/>
           </a:p>
@@ -3008,7 +3008,7 @@
           <a:p>
             <a:fld id="{F8F920B2-3E99-4C9D-9450-62A3DEC5476B}" type="datetimeFigureOut">
               <a:rPr lang="en-US" smtClean="0"/>
-              <a:t>9/20/2017</a:t>
+              <a:t>9/21/2017</a:t>
             </a:fld>
             <a:endParaRPr lang="en-US"/>
           </a:p>
@@ -3879,17 +3879,7 @@
                 <a:latin typeface="Courier New" panose="02070309020205020404" pitchFamily="49" charset="0"/>
                 <a:cs typeface="Courier New" panose="02070309020205020404" pitchFamily="49" charset="0"/>
               </a:rPr>
-              <a:t>32</a:t>
-            </a:r>
-            <a:r>
-              <a:rPr lang="en-US" sz="900" dirty="0" smtClean="0">
-                <a:solidFill>
-                  <a:srgbClr val="000000"/>
-                </a:solidFill>
-                <a:latin typeface="Courier New" panose="02070309020205020404" pitchFamily="49" charset="0"/>
-                <a:cs typeface="Courier New" panose="02070309020205020404" pitchFamily="49" charset="0"/>
-              </a:rPr>
-              <a:t>’d1</a:t>
+              <a:t>32’d1</a:t>
             </a:r>
             <a:endParaRPr lang="en-US" sz="900" dirty="0">
               <a:solidFill>
@@ -11952,15 +11942,22 @@
           <a:p>
             <a:pPr algn="r"/>
             <a:r>
-              <a:rPr lang="en-US" sz="900" dirty="0">
+              <a:rPr lang="en-US" sz="900" dirty="0" smtClean="0">
                 <a:solidFill>
                   <a:srgbClr val="000000"/>
                 </a:solidFill>
                 <a:latin typeface="Courier New" panose="02070309020205020404" pitchFamily="49" charset="0"/>
                 <a:cs typeface="Courier New" panose="02070309020205020404" pitchFamily="49" charset="0"/>
               </a:rPr>
-              <a:t>32’hAAAA</a:t>
-            </a:r>
+              <a:t>32’hAAAA_AAAA</a:t>
+            </a:r>
+            <a:endParaRPr lang="en-US" sz="900" dirty="0">
+              <a:solidFill>
+                <a:srgbClr val="000000"/>
+              </a:solidFill>
+              <a:latin typeface="Courier New" panose="02070309020205020404" pitchFamily="49" charset="0"/>
+              <a:cs typeface="Courier New" panose="02070309020205020404" pitchFamily="49" charset="0"/>
+            </a:endParaRPr>
           </a:p>
         </p:txBody>
       </p:sp>
@@ -12768,15 +12765,22 @@
           <a:p>
             <a:pPr algn="r"/>
             <a:r>
-              <a:rPr lang="en-US" sz="900" dirty="0">
+              <a:rPr lang="en-US" sz="900" smtClean="0">
                 <a:solidFill>
                   <a:srgbClr val="000000"/>
                 </a:solidFill>
                 <a:latin typeface="Courier New" panose="02070309020205020404" pitchFamily="49" charset="0"/>
                 <a:cs typeface="Courier New" panose="02070309020205020404" pitchFamily="49" charset="0"/>
               </a:rPr>
-              <a:t>32’hF731</a:t>
-            </a:r>
+              <a:t>32’hF731_8CEF</a:t>
+            </a:r>
+            <a:endParaRPr lang="en-US" sz="900" dirty="0">
+              <a:solidFill>
+                <a:srgbClr val="000000"/>
+              </a:solidFill>
+              <a:latin typeface="Courier New" panose="02070309020205020404" pitchFamily="49" charset="0"/>
+              <a:cs typeface="Courier New" panose="02070309020205020404" pitchFamily="49" charset="0"/>
+            </a:endParaRPr>
           </a:p>
         </p:txBody>
       </p:sp>
